--- a/Document/팩맨_김지헌.pptx
+++ b/Document/팩맨_김지헌.pptx
@@ -225,7 +225,7 @@
           <a:p>
             <a:fld id="{6B211AA7-FCB1-44FB-8030-3473500B82E2}" type="datetimeFigureOut">
               <a:rPr lang="ko-KR" altLang="en-US" smtClean="0"/>
-              <a:t>2020-01-13</a:t>
+              <a:t>2020-01-15</a:t>
             </a:fld>
             <a:endParaRPr lang="ko-KR" altLang="en-US"/>
           </a:p>
@@ -289,38 +289,37 @@
           <a:p>
             <a:pPr lvl="0"/>
             <a:r>
-              <a:rPr lang="ko-KR" altLang="en-US" smtClean="0"/>
+              <a:rPr lang="ko-KR" altLang="en-US"/>
               <a:t>마스터 텍스트 스타일 편집</a:t>
             </a:r>
           </a:p>
           <a:p>
             <a:pPr lvl="1"/>
             <a:r>
-              <a:rPr lang="ko-KR" altLang="en-US" smtClean="0"/>
+              <a:rPr lang="ko-KR" altLang="en-US"/>
               <a:t>둘째 수준</a:t>
             </a:r>
           </a:p>
           <a:p>
             <a:pPr lvl="2"/>
             <a:r>
-              <a:rPr lang="ko-KR" altLang="en-US" smtClean="0"/>
+              <a:rPr lang="ko-KR" altLang="en-US"/>
               <a:t>셋째 수준</a:t>
             </a:r>
           </a:p>
           <a:p>
             <a:pPr lvl="3"/>
             <a:r>
-              <a:rPr lang="ko-KR" altLang="en-US" smtClean="0"/>
+              <a:rPr lang="ko-KR" altLang="en-US"/>
               <a:t>넷째 수준</a:t>
             </a:r>
           </a:p>
           <a:p>
             <a:pPr lvl="4"/>
             <a:r>
-              <a:rPr lang="ko-KR" altLang="en-US" smtClean="0"/>
+              <a:rPr lang="ko-KR" altLang="en-US"/>
               <a:t>다섯째 수준</a:t>
             </a:r>
-            <a:endParaRPr lang="ko-KR" altLang="en-US"/>
           </a:p>
         </p:txBody>
       </p:sp>
@@ -721,7 +720,7 @@
           <a:p>
             <a:fld id="{2E7D2CE6-75E2-4113-B21D-E16C4D97B797}" type="datetime1">
               <a:rPr lang="ko-KR" altLang="en-US" smtClean="0"/>
-              <a:t>2020-01-13</a:t>
+              <a:t>2020-01-15</a:t>
             </a:fld>
             <a:endParaRPr lang="ko-KR" altLang="en-US"/>
           </a:p>
@@ -929,7 +928,7 @@
           <a:p>
             <a:fld id="{D5044820-7326-4543-A766-CD7A8B8B1C09}" type="datetime1">
               <a:rPr lang="ko-KR" altLang="en-US" smtClean="0"/>
-              <a:t>2020-01-13</a:t>
+              <a:t>2020-01-15</a:t>
             </a:fld>
             <a:endParaRPr lang="ko-KR" altLang="en-US"/>
           </a:p>
@@ -1187,7 +1186,7 @@
           <a:p>
             <a:fld id="{1248C3A5-EB9A-439F-8B4B-392002CFAEF7}" type="datetime1">
               <a:rPr lang="ko-KR" altLang="en-US" smtClean="0"/>
-              <a:t>2020-01-13</a:t>
+              <a:t>2020-01-15</a:t>
             </a:fld>
             <a:endParaRPr lang="ko-KR" altLang="en-US"/>
           </a:p>
@@ -1245,13 +1244,6 @@
   <p:clrMapOvr>
     <a:masterClrMapping/>
   </p:clrMapOvr>
-  <p:timing>
-    <p:tnLst>
-      <p:par>
-        <p:cTn id="1" dur="indefinite" restart="never" nodeType="tmRoot"/>
-      </p:par>
-    </p:tnLst>
-  </p:timing>
 </p:sldLayout>
 </file>
 
@@ -1364,7 +1356,7 @@
           <a:p>
             <a:fld id="{AC2C14D6-1620-447B-9412-452AAB452B67}" type="datetime1">
               <a:rPr lang="ko-KR" altLang="en-US" smtClean="0"/>
-              <a:t>2020-01-13</a:t>
+              <a:t>2020-01-15</a:t>
             </a:fld>
             <a:endParaRPr lang="ko-KR" altLang="en-US"/>
           </a:p>
@@ -1701,7 +1693,7 @@
           <a:p>
             <a:fld id="{53519B02-5517-4C52-AD28-0DD9C78D1578}" type="datetime1">
               <a:rPr lang="ko-KR" altLang="en-US" smtClean="0"/>
-              <a:t>2020-01-13</a:t>
+              <a:t>2020-01-15</a:t>
             </a:fld>
             <a:endParaRPr lang="ko-KR" altLang="en-US"/>
           </a:p>
@@ -1976,7 +1968,7 @@
           <a:p>
             <a:fld id="{47BEF364-7676-42D0-9850-DB0EA679ABE6}" type="datetime1">
               <a:rPr lang="ko-KR" altLang="en-US" smtClean="0"/>
-              <a:t>2020-01-13</a:t>
+              <a:t>2020-01-15</a:t>
             </a:fld>
             <a:endParaRPr lang="ko-KR" altLang="en-US"/>
           </a:p>
@@ -2359,7 +2351,7 @@
           <a:p>
             <a:fld id="{571F8168-0409-4B19-BAA5-79290FC474FB}" type="datetime1">
               <a:rPr lang="ko-KR" altLang="en-US" smtClean="0"/>
-              <a:t>2020-01-13</a:t>
+              <a:t>2020-01-15</a:t>
             </a:fld>
             <a:endParaRPr lang="ko-KR" altLang="en-US"/>
           </a:p>
@@ -2477,7 +2469,7 @@
           <a:p>
             <a:fld id="{5371928F-9FC5-4E06-BE5A-5A2A0D21ADD8}" type="datetime1">
               <a:rPr lang="ko-KR" altLang="en-US" smtClean="0"/>
-              <a:t>2020-01-13</a:t>
+              <a:t>2020-01-15</a:t>
             </a:fld>
             <a:endParaRPr lang="ko-KR" altLang="en-US"/>
           </a:p>
@@ -2650,7 +2642,7 @@
           <a:p>
             <a:fld id="{995D12B0-8447-4366-8D88-1E51E07B8CE2}" type="datetime1">
               <a:rPr lang="ko-KR" altLang="en-US" smtClean="0"/>
-              <a:t>2020-01-13</a:t>
+              <a:t>2020-01-15</a:t>
             </a:fld>
             <a:endParaRPr lang="ko-KR" altLang="en-US"/>
           </a:p>
@@ -3006,7 +2998,7 @@
           <a:p>
             <a:fld id="{36755746-47E6-4707-B5CA-5DA6EC2B261D}" type="datetime1">
               <a:rPr lang="ko-KR" altLang="en-US" smtClean="0"/>
-              <a:t>2020-01-13</a:t>
+              <a:t>2020-01-15</a:t>
             </a:fld>
             <a:endParaRPr lang="ko-KR" altLang="en-US"/>
           </a:p>
@@ -3354,7 +3346,7 @@
           <a:p>
             <a:fld id="{DEACC6A3-07B1-442D-995C-003CFA64D225}" type="datetime1">
               <a:rPr lang="ko-KR" altLang="en-US" smtClean="0"/>
-              <a:t>2020-01-13</a:t>
+              <a:t>2020-01-15</a:t>
             </a:fld>
             <a:endParaRPr lang="ko-KR" altLang="en-US"/>
           </a:p>
@@ -3665,7 +3657,7 @@
           <a:p>
             <a:fld id="{1907A037-A398-4F05-B3BE-C635F67091AA}" type="datetime1">
               <a:rPr lang="ko-KR" altLang="en-US" smtClean="0"/>
-              <a:t>2020-01-13</a:t>
+              <a:t>2020-01-15</a:t>
             </a:fld>
             <a:endParaRPr lang="ko-KR" altLang="en-US"/>
           </a:p>
@@ -3743,7 +3735,7 @@
               <a:t>‹#›</a:t>
             </a:fld>
             <a:r>
-              <a:rPr lang="en-US" altLang="ko-KR" dirty="0" smtClean="0"/>
+              <a:rPr lang="en-US" altLang="ko-KR" dirty="0"/>
               <a:t>/29</a:t>
             </a:r>
             <a:endParaRPr lang="ko-KR" altLang="en-US" dirty="0"/>
@@ -3809,13 +3801,6 @@
     <p:sldLayoutId id="2147483682" r:id="rId10"/>
     <p:sldLayoutId id="2147483683" r:id="rId11"/>
   </p:sldLayoutIdLst>
-  <p:timing>
-    <p:tnLst>
-      <p:par>
-        <p:cTn id="1" dur="indefinite" restart="never" nodeType="tmRoot"/>
-      </p:par>
-    </p:tnLst>
-  </p:timing>
   <p:hf hdr="0" ftr="0" dt="0"/>
   <p:txStyles>
     <p:titleStyle>
@@ -4333,13 +4318,6 @@
   <p:clrMapOvr>
     <a:masterClrMapping/>
   </p:clrMapOvr>
-  <p:timing>
-    <p:tnLst>
-      <p:par>
-        <p:cTn id="1" dur="indefinite" restart="never" nodeType="tmRoot"/>
-      </p:par>
-    </p:tnLst>
-  </p:timing>
 </p:sld>
 </file>
 
@@ -4629,11 +4607,11 @@
           <a:p>
             <a:pPr algn="ctr"/>
             <a:r>
-              <a:rPr lang="en-US" altLang="ko-KR" dirty="0" smtClean="0"/>
+              <a:rPr lang="en-US" altLang="ko-KR" dirty="0"/>
               <a:t>[</a:t>
             </a:r>
             <a:r>
-              <a:rPr lang="en-US" altLang="ko-KR" dirty="0" smtClean="0">
+              <a:rPr lang="en-US" altLang="ko-KR" dirty="0">
                 <a:solidFill>
                   <a:srgbClr val="FF0000"/>
                 </a:solidFill>
@@ -4641,11 +4619,11 @@
               <a:t>abstract</a:t>
             </a:r>
             <a:r>
-              <a:rPr lang="en-US" altLang="ko-KR" dirty="0" smtClean="0"/>
+              <a:rPr lang="en-US" altLang="ko-KR" dirty="0"/>
               <a:t> </a:t>
             </a:r>
             <a:r>
-              <a:rPr lang="en-US" altLang="ko-KR" dirty="0" err="1" smtClean="0">
+              <a:rPr lang="en-US" altLang="ko-KR" dirty="0" err="1">
                 <a:solidFill>
                   <a:srgbClr val="0070C0"/>
                 </a:solidFill>
@@ -4653,11 +4631,11 @@
               <a:t>Actor</a:t>
             </a:r>
             <a:r>
-              <a:rPr lang="en-US" altLang="ko-KR" dirty="0" err="1" smtClean="0"/>
+              <a:rPr lang="en-US" altLang="ko-KR" dirty="0" err="1"/>
               <a:t>.class</a:t>
             </a:r>
             <a:r>
-              <a:rPr lang="en-US" altLang="ko-KR" dirty="0" smtClean="0"/>
+              <a:rPr lang="en-US" altLang="ko-KR" dirty="0"/>
               <a:t>]</a:t>
             </a:r>
             <a:endParaRPr lang="ko-KR" altLang="en-US" dirty="0"/>
@@ -4701,11 +4679,11 @@
           <a:p>
             <a:pPr algn="ctr"/>
             <a:r>
-              <a:rPr lang="en-US" altLang="ko-KR" dirty="0" smtClean="0"/>
+              <a:rPr lang="en-US" altLang="ko-KR" dirty="0"/>
               <a:t>[</a:t>
             </a:r>
             <a:r>
-              <a:rPr lang="en-US" altLang="ko-KR" dirty="0" err="1" smtClean="0">
+              <a:rPr lang="en-US" altLang="ko-KR" dirty="0" err="1">
                 <a:solidFill>
                   <a:srgbClr val="FFFF00"/>
                 </a:solidFill>
@@ -4713,15 +4691,15 @@
               <a:t>PacMan</a:t>
             </a:r>
             <a:r>
-              <a:rPr lang="en-US" altLang="ko-KR" dirty="0" err="1" smtClean="0"/>
+              <a:rPr lang="en-US" altLang="ko-KR" dirty="0" err="1"/>
               <a:t>.class</a:t>
             </a:r>
             <a:r>
-              <a:rPr lang="en-US" altLang="ko-KR" dirty="0" smtClean="0"/>
+              <a:rPr lang="en-US" altLang="ko-KR" dirty="0"/>
               <a:t> : </a:t>
             </a:r>
             <a:r>
-              <a:rPr lang="en-US" altLang="ko-KR" dirty="0" smtClean="0">
+              <a:rPr lang="en-US" altLang="ko-KR" dirty="0">
                 <a:solidFill>
                   <a:srgbClr val="0070C0"/>
                 </a:solidFill>
@@ -4729,7 +4707,7 @@
               <a:t>Actor</a:t>
             </a:r>
             <a:r>
-              <a:rPr lang="en-US" altLang="ko-KR" dirty="0" smtClean="0"/>
+              <a:rPr lang="en-US" altLang="ko-KR" dirty="0"/>
               <a:t>]</a:t>
             </a:r>
             <a:endParaRPr lang="ko-KR" altLang="en-US" dirty="0"/>
@@ -4773,11 +4751,11 @@
           <a:p>
             <a:pPr algn="ctr"/>
             <a:r>
-              <a:rPr lang="en-US" altLang="ko-KR" dirty="0" smtClean="0"/>
+              <a:rPr lang="en-US" altLang="ko-KR" dirty="0"/>
               <a:t>[</a:t>
             </a:r>
             <a:r>
-              <a:rPr lang="en-US" altLang="ko-KR" dirty="0" err="1" smtClean="0">
+              <a:rPr lang="en-US" altLang="ko-KR" dirty="0" err="1">
                 <a:solidFill>
                   <a:srgbClr val="FFFF00"/>
                 </a:solidFill>
@@ -4785,15 +4763,15 @@
               <a:t>Ghost</a:t>
             </a:r>
             <a:r>
-              <a:rPr lang="en-US" altLang="ko-KR" dirty="0" err="1" smtClean="0"/>
+              <a:rPr lang="en-US" altLang="ko-KR" dirty="0" err="1"/>
               <a:t>.class</a:t>
             </a:r>
             <a:r>
-              <a:rPr lang="en-US" altLang="ko-KR" dirty="0" smtClean="0"/>
+              <a:rPr lang="en-US" altLang="ko-KR" dirty="0"/>
               <a:t> : </a:t>
             </a:r>
             <a:r>
-              <a:rPr lang="en-US" altLang="ko-KR" dirty="0" smtClean="0">
+              <a:rPr lang="en-US" altLang="ko-KR" dirty="0">
                 <a:solidFill>
                   <a:srgbClr val="0070C0"/>
                 </a:solidFill>
@@ -4801,7 +4779,7 @@
               <a:t>Actor</a:t>
             </a:r>
             <a:r>
-              <a:rPr lang="en-US" altLang="ko-KR" dirty="0" smtClean="0"/>
+              <a:rPr lang="en-US" altLang="ko-KR" dirty="0"/>
               <a:t>]</a:t>
             </a:r>
             <a:endParaRPr lang="ko-KR" altLang="en-US" dirty="0"/>
@@ -4845,11 +4823,11 @@
           <a:p>
             <a:pPr algn="ctr"/>
             <a:r>
-              <a:rPr lang="en-US" altLang="ko-KR" dirty="0" smtClean="0"/>
+              <a:rPr lang="en-US" altLang="ko-KR" dirty="0"/>
               <a:t>[</a:t>
             </a:r>
             <a:r>
-              <a:rPr lang="en-US" altLang="ko-KR" dirty="0" err="1" smtClean="0">
+              <a:rPr lang="en-US" altLang="ko-KR" dirty="0" err="1">
                 <a:solidFill>
                   <a:srgbClr val="FFFF00"/>
                 </a:solidFill>
@@ -4857,15 +4835,15 @@
               <a:t>Blinky</a:t>
             </a:r>
             <a:r>
-              <a:rPr lang="en-US" altLang="ko-KR" dirty="0" err="1" smtClean="0"/>
+              <a:rPr lang="en-US" altLang="ko-KR" dirty="0" err="1"/>
               <a:t>.class</a:t>
             </a:r>
             <a:r>
-              <a:rPr lang="en-US" altLang="ko-KR" dirty="0" smtClean="0"/>
+              <a:rPr lang="en-US" altLang="ko-KR" dirty="0"/>
               <a:t> : </a:t>
             </a:r>
             <a:r>
-              <a:rPr lang="en-US" altLang="ko-KR" dirty="0" smtClean="0">
+              <a:rPr lang="en-US" altLang="ko-KR" dirty="0">
                 <a:solidFill>
                   <a:srgbClr val="FFFF00"/>
                 </a:solidFill>
@@ -4873,7 +4851,7 @@
               <a:t>Ghost</a:t>
             </a:r>
             <a:r>
-              <a:rPr lang="en-US" altLang="ko-KR" dirty="0" smtClean="0"/>
+              <a:rPr lang="en-US" altLang="ko-KR" dirty="0"/>
               <a:t>]</a:t>
             </a:r>
             <a:endParaRPr lang="ko-KR" altLang="en-US" dirty="0"/>
@@ -4917,11 +4895,11 @@
           <a:p>
             <a:pPr algn="ctr"/>
             <a:r>
-              <a:rPr lang="en-US" altLang="ko-KR" dirty="0" smtClean="0"/>
+              <a:rPr lang="en-US" altLang="ko-KR" dirty="0"/>
               <a:t>[</a:t>
             </a:r>
             <a:r>
-              <a:rPr lang="en-US" altLang="ko-KR" dirty="0" err="1" smtClean="0">
+              <a:rPr lang="en-US" altLang="ko-KR" dirty="0" err="1">
                 <a:solidFill>
                   <a:srgbClr val="FFFF00"/>
                 </a:solidFill>
@@ -4929,15 +4907,15 @@
               <a:t>Clyde</a:t>
             </a:r>
             <a:r>
-              <a:rPr lang="en-US" altLang="ko-KR" dirty="0" err="1" smtClean="0"/>
+              <a:rPr lang="en-US" altLang="ko-KR" dirty="0" err="1"/>
               <a:t>.class</a:t>
             </a:r>
             <a:r>
-              <a:rPr lang="en-US" altLang="ko-KR" dirty="0" smtClean="0"/>
+              <a:rPr lang="en-US" altLang="ko-KR" dirty="0"/>
               <a:t> : </a:t>
             </a:r>
             <a:r>
-              <a:rPr lang="en-US" altLang="ko-KR" dirty="0" smtClean="0">
+              <a:rPr lang="en-US" altLang="ko-KR" dirty="0">
                 <a:solidFill>
                   <a:srgbClr val="FFFF00"/>
                 </a:solidFill>
@@ -4945,7 +4923,7 @@
               <a:t>Ghost</a:t>
             </a:r>
             <a:r>
-              <a:rPr lang="en-US" altLang="ko-KR" dirty="0" smtClean="0"/>
+              <a:rPr lang="en-US" altLang="ko-KR" dirty="0"/>
               <a:t>]</a:t>
             </a:r>
             <a:endParaRPr lang="ko-KR" altLang="en-US" dirty="0"/>
@@ -4975,7 +4953,7 @@
           <a:lstStyle/>
           <a:p>
             <a:r>
-              <a:rPr lang="en-US" altLang="ko-KR" dirty="0" smtClean="0"/>
+              <a:rPr lang="en-US" altLang="ko-KR" dirty="0"/>
               <a:t>…</a:t>
             </a:r>
             <a:endParaRPr lang="ko-KR" altLang="en-US" dirty="0"/>
@@ -5245,14 +5223,13 @@
           <a:lstStyle/>
           <a:p>
             <a:r>
-              <a:rPr lang="en-US" altLang="ko-KR" dirty="0" smtClean="0"/>
+              <a:rPr lang="en-US" altLang="ko-KR" dirty="0"/>
               <a:t>Handler </a:t>
             </a:r>
             <a:r>
-              <a:rPr lang="ko-KR" altLang="en-US" dirty="0" smtClean="0"/>
+              <a:rPr lang="ko-KR" altLang="en-US" dirty="0"/>
               <a:t>재사용</a:t>
             </a:r>
-            <a:endParaRPr lang="ko-KR" altLang="en-US" dirty="0"/>
           </a:p>
         </p:txBody>
       </p:sp>
@@ -5293,11 +5270,11 @@
           <a:p>
             <a:pPr algn="ctr"/>
             <a:r>
-              <a:rPr lang="en-US" altLang="ko-KR" dirty="0" smtClean="0"/>
+              <a:rPr lang="en-US" altLang="ko-KR" dirty="0"/>
               <a:t>[</a:t>
             </a:r>
             <a:r>
-              <a:rPr lang="en-US" altLang="ko-KR" dirty="0" err="1" smtClean="0">
+              <a:rPr lang="en-US" altLang="ko-KR" dirty="0" err="1">
                 <a:solidFill>
                   <a:srgbClr val="FFFF00"/>
                 </a:solidFill>
@@ -5305,15 +5282,15 @@
               <a:t>PacMan</a:t>
             </a:r>
             <a:r>
-              <a:rPr lang="en-US" altLang="ko-KR" dirty="0" err="1" smtClean="0"/>
+              <a:rPr lang="en-US" altLang="ko-KR" dirty="0" err="1"/>
               <a:t>.class</a:t>
             </a:r>
             <a:r>
-              <a:rPr lang="en-US" altLang="ko-KR" dirty="0" smtClean="0"/>
+              <a:rPr lang="en-US" altLang="ko-KR" dirty="0"/>
               <a:t> : </a:t>
             </a:r>
             <a:r>
-              <a:rPr lang="en-US" altLang="ko-KR" dirty="0" smtClean="0">
+              <a:rPr lang="en-US" altLang="ko-KR" dirty="0">
                 <a:solidFill>
                   <a:srgbClr val="0070C0"/>
                 </a:solidFill>
@@ -5321,7 +5298,7 @@
               <a:t>Actor</a:t>
             </a:r>
             <a:r>
-              <a:rPr lang="en-US" altLang="ko-KR" dirty="0" smtClean="0"/>
+              <a:rPr lang="en-US" altLang="ko-KR" dirty="0"/>
               <a:t>]</a:t>
             </a:r>
             <a:endParaRPr lang="ko-KR" altLang="en-US" dirty="0"/>
@@ -5365,11 +5342,11 @@
           <a:p>
             <a:pPr algn="ctr"/>
             <a:r>
-              <a:rPr lang="en-US" altLang="ko-KR" dirty="0" smtClean="0"/>
+              <a:rPr lang="en-US" altLang="ko-KR" dirty="0"/>
               <a:t>[</a:t>
             </a:r>
             <a:r>
-              <a:rPr lang="en-US" altLang="ko-KR" dirty="0" err="1" smtClean="0">
+              <a:rPr lang="en-US" altLang="ko-KR" dirty="0" err="1">
                 <a:solidFill>
                   <a:srgbClr val="FFFF00"/>
                 </a:solidFill>
@@ -5377,15 +5354,15 @@
               <a:t>Blinky</a:t>
             </a:r>
             <a:r>
-              <a:rPr lang="en-US" altLang="ko-KR" dirty="0" err="1" smtClean="0"/>
+              <a:rPr lang="en-US" altLang="ko-KR" dirty="0" err="1"/>
               <a:t>.class</a:t>
             </a:r>
             <a:r>
-              <a:rPr lang="en-US" altLang="ko-KR" dirty="0" smtClean="0"/>
+              <a:rPr lang="en-US" altLang="ko-KR" dirty="0"/>
               <a:t> : </a:t>
             </a:r>
             <a:r>
-              <a:rPr lang="en-US" altLang="ko-KR" dirty="0" smtClean="0">
+              <a:rPr lang="en-US" altLang="ko-KR" dirty="0">
                 <a:solidFill>
                   <a:srgbClr val="FFFF00"/>
                 </a:solidFill>
@@ -5393,7 +5370,7 @@
               <a:t>Ghost</a:t>
             </a:r>
             <a:r>
-              <a:rPr lang="en-US" altLang="ko-KR" dirty="0" smtClean="0"/>
+              <a:rPr lang="en-US" altLang="ko-KR" dirty="0"/>
               <a:t>]</a:t>
             </a:r>
             <a:endParaRPr lang="ko-KR" altLang="en-US" dirty="0"/>
@@ -5437,11 +5414,11 @@
           <a:p>
             <a:pPr algn="ctr"/>
             <a:r>
-              <a:rPr lang="en-US" altLang="ko-KR" dirty="0" smtClean="0"/>
+              <a:rPr lang="en-US" altLang="ko-KR" dirty="0"/>
               <a:t>[</a:t>
             </a:r>
             <a:r>
-              <a:rPr lang="en-US" altLang="ko-KR" dirty="0" err="1" smtClean="0">
+              <a:rPr lang="en-US" altLang="ko-KR" dirty="0" err="1">
                 <a:solidFill>
                   <a:srgbClr val="FFFF00"/>
                 </a:solidFill>
@@ -5449,15 +5426,15 @@
               <a:t>Clyde</a:t>
             </a:r>
             <a:r>
-              <a:rPr lang="en-US" altLang="ko-KR" dirty="0" err="1" smtClean="0"/>
+              <a:rPr lang="en-US" altLang="ko-KR" dirty="0" err="1"/>
               <a:t>.class</a:t>
             </a:r>
             <a:r>
-              <a:rPr lang="en-US" altLang="ko-KR" dirty="0" smtClean="0"/>
+              <a:rPr lang="en-US" altLang="ko-KR" dirty="0"/>
               <a:t> : </a:t>
             </a:r>
             <a:r>
-              <a:rPr lang="en-US" altLang="ko-KR" dirty="0" smtClean="0">
+              <a:rPr lang="en-US" altLang="ko-KR" dirty="0">
                 <a:solidFill>
                   <a:srgbClr val="FFFF00"/>
                 </a:solidFill>
@@ -5465,7 +5442,7 @@
               <a:t>Ghost</a:t>
             </a:r>
             <a:r>
-              <a:rPr lang="en-US" altLang="ko-KR" dirty="0" smtClean="0"/>
+              <a:rPr lang="en-US" altLang="ko-KR" dirty="0"/>
               <a:t>]</a:t>
             </a:r>
             <a:endParaRPr lang="ko-KR" altLang="en-US" dirty="0"/>
@@ -5495,7 +5472,7 @@
           <a:lstStyle/>
           <a:p>
             <a:r>
-              <a:rPr lang="en-US" altLang="ko-KR" dirty="0" smtClean="0"/>
+              <a:rPr lang="en-US" altLang="ko-KR" dirty="0"/>
               <a:t>…</a:t>
             </a:r>
             <a:endParaRPr lang="ko-KR" altLang="en-US" dirty="0"/>
@@ -5539,7 +5516,7 @@
           <a:p>
             <a:pPr algn="ctr"/>
             <a:r>
-              <a:rPr lang="en-US" altLang="ko-KR" dirty="0" smtClean="0">
+              <a:rPr lang="en-US" altLang="ko-KR" dirty="0">
                 <a:solidFill>
                   <a:srgbClr val="0070C0"/>
                 </a:solidFill>
@@ -5550,7 +5527,7 @@
           <a:p>
             <a:pPr algn="ctr"/>
             <a:r>
-              <a:rPr lang="en-US" altLang="ko-KR" dirty="0" smtClean="0">
+              <a:rPr lang="en-US" altLang="ko-KR" dirty="0">
                 <a:solidFill>
                   <a:srgbClr val="0070C0"/>
                 </a:solidFill>
@@ -5561,11 +5538,11 @@
           <a:p>
             <a:pPr algn="ctr"/>
             <a:r>
-              <a:rPr lang="en-US" altLang="ko-KR" dirty="0" smtClean="0"/>
+              <a:rPr lang="en-US" altLang="ko-KR" dirty="0"/>
               <a:t>.</a:t>
             </a:r>
             <a:r>
-              <a:rPr lang="en-US" altLang="ko-KR" dirty="0" err="1" smtClean="0"/>
+              <a:rPr lang="en-US" altLang="ko-KR" dirty="0" err="1"/>
               <a:t>cs</a:t>
             </a:r>
             <a:endParaRPr lang="ko-KR" altLang="en-US" dirty="0"/>
@@ -5609,7 +5586,7 @@
           <a:p>
             <a:pPr algn="ctr"/>
             <a:r>
-              <a:rPr lang="en-US" altLang="ko-KR" dirty="0" smtClean="0">
+              <a:rPr lang="en-US" altLang="ko-KR" dirty="0">
                 <a:solidFill>
                   <a:srgbClr val="002060"/>
                 </a:solidFill>
@@ -5620,7 +5597,7 @@
           <a:p>
             <a:pPr algn="ctr"/>
             <a:r>
-              <a:rPr lang="en-US" altLang="ko-KR" dirty="0" smtClean="0">
+              <a:rPr lang="en-US" altLang="ko-KR" dirty="0">
                 <a:solidFill>
                   <a:srgbClr val="002060"/>
                 </a:solidFill>
@@ -5631,11 +5608,11 @@
           <a:p>
             <a:pPr algn="ctr"/>
             <a:r>
-              <a:rPr lang="en-US" altLang="ko-KR" dirty="0" smtClean="0"/>
+              <a:rPr lang="en-US" altLang="ko-KR" dirty="0"/>
               <a:t>.</a:t>
             </a:r>
             <a:r>
-              <a:rPr lang="en-US" altLang="ko-KR" dirty="0" err="1" smtClean="0"/>
+              <a:rPr lang="en-US" altLang="ko-KR" dirty="0" err="1"/>
               <a:t>cs</a:t>
             </a:r>
             <a:endParaRPr lang="ko-KR" altLang="en-US" dirty="0"/>
@@ -5751,7 +5728,7 @@
           <a:p>
             <a:pPr algn="ctr"/>
             <a:r>
-              <a:rPr lang="en-US" altLang="ko-KR" dirty="0" smtClean="0">
+              <a:rPr lang="en-US" altLang="ko-KR" dirty="0">
                 <a:solidFill>
                   <a:srgbClr val="0070C0"/>
                 </a:solidFill>
@@ -5762,7 +5739,7 @@
           <a:p>
             <a:pPr algn="ctr"/>
             <a:r>
-              <a:rPr lang="en-US" altLang="ko-KR" dirty="0" smtClean="0">
+              <a:rPr lang="en-US" altLang="ko-KR" dirty="0">
                 <a:solidFill>
                   <a:srgbClr val="0070C0"/>
                 </a:solidFill>
@@ -5773,11 +5750,11 @@
           <a:p>
             <a:pPr algn="ctr"/>
             <a:r>
-              <a:rPr lang="en-US" altLang="ko-KR" dirty="0" smtClean="0"/>
+              <a:rPr lang="en-US" altLang="ko-KR" dirty="0"/>
               <a:t>.</a:t>
             </a:r>
             <a:r>
-              <a:rPr lang="en-US" altLang="ko-KR" dirty="0" err="1" smtClean="0"/>
+              <a:rPr lang="en-US" altLang="ko-KR" dirty="0" err="1"/>
               <a:t>cs</a:t>
             </a:r>
             <a:endParaRPr lang="ko-KR" altLang="en-US" dirty="0"/>
@@ -5821,7 +5798,7 @@
           <a:p>
             <a:pPr algn="ctr"/>
             <a:r>
-              <a:rPr lang="en-US" altLang="ko-KR" dirty="0" smtClean="0">
+              <a:rPr lang="en-US" altLang="ko-KR" dirty="0">
                 <a:solidFill>
                   <a:srgbClr val="002060"/>
                 </a:solidFill>
@@ -5832,7 +5809,7 @@
           <a:p>
             <a:pPr algn="ctr"/>
             <a:r>
-              <a:rPr lang="en-US" altLang="ko-KR" dirty="0" smtClean="0">
+              <a:rPr lang="en-US" altLang="ko-KR" dirty="0">
                 <a:solidFill>
                   <a:srgbClr val="002060"/>
                 </a:solidFill>
@@ -5843,11 +5820,11 @@
           <a:p>
             <a:pPr algn="ctr"/>
             <a:r>
-              <a:rPr lang="en-US" altLang="ko-KR" dirty="0" smtClean="0"/>
+              <a:rPr lang="en-US" altLang="ko-KR" dirty="0"/>
               <a:t>.</a:t>
             </a:r>
             <a:r>
-              <a:rPr lang="en-US" altLang="ko-KR" dirty="0" err="1" smtClean="0"/>
+              <a:rPr lang="en-US" altLang="ko-KR" dirty="0" err="1"/>
               <a:t>cs</a:t>
             </a:r>
             <a:endParaRPr lang="ko-KR" altLang="en-US" dirty="0"/>
@@ -5963,7 +5940,7 @@
           <a:p>
             <a:pPr algn="ctr"/>
             <a:r>
-              <a:rPr lang="en-US" altLang="ko-KR" dirty="0" smtClean="0">
+              <a:rPr lang="en-US" altLang="ko-KR" dirty="0">
                 <a:solidFill>
                   <a:srgbClr val="0070C0"/>
                 </a:solidFill>
@@ -5974,7 +5951,7 @@
           <a:p>
             <a:pPr algn="ctr"/>
             <a:r>
-              <a:rPr lang="en-US" altLang="ko-KR" dirty="0" smtClean="0">
+              <a:rPr lang="en-US" altLang="ko-KR" dirty="0">
                 <a:solidFill>
                   <a:srgbClr val="0070C0"/>
                 </a:solidFill>
@@ -5985,11 +5962,11 @@
           <a:p>
             <a:pPr algn="ctr"/>
             <a:r>
-              <a:rPr lang="en-US" altLang="ko-KR" dirty="0" smtClean="0"/>
+              <a:rPr lang="en-US" altLang="ko-KR" dirty="0"/>
               <a:t>.</a:t>
             </a:r>
             <a:r>
-              <a:rPr lang="en-US" altLang="ko-KR" dirty="0" err="1" smtClean="0"/>
+              <a:rPr lang="en-US" altLang="ko-KR" dirty="0" err="1"/>
               <a:t>cs</a:t>
             </a:r>
             <a:endParaRPr lang="ko-KR" altLang="en-US" dirty="0"/>
@@ -6033,7 +6010,7 @@
           <a:p>
             <a:pPr algn="ctr"/>
             <a:r>
-              <a:rPr lang="en-US" altLang="ko-KR" dirty="0" smtClean="0">
+              <a:rPr lang="en-US" altLang="ko-KR" dirty="0">
                 <a:solidFill>
                   <a:srgbClr val="002060"/>
                 </a:solidFill>
@@ -6044,7 +6021,7 @@
           <a:p>
             <a:pPr algn="ctr"/>
             <a:r>
-              <a:rPr lang="en-US" altLang="ko-KR" dirty="0" smtClean="0">
+              <a:rPr lang="en-US" altLang="ko-KR" dirty="0">
                 <a:solidFill>
                   <a:srgbClr val="002060"/>
                 </a:solidFill>
@@ -6055,11 +6032,11 @@
           <a:p>
             <a:pPr algn="ctr"/>
             <a:r>
-              <a:rPr lang="en-US" altLang="ko-KR" dirty="0" smtClean="0"/>
+              <a:rPr lang="en-US" altLang="ko-KR" dirty="0"/>
               <a:t>.</a:t>
             </a:r>
             <a:r>
-              <a:rPr lang="en-US" altLang="ko-KR" dirty="0" err="1" smtClean="0"/>
+              <a:rPr lang="en-US" altLang="ko-KR" dirty="0" err="1"/>
               <a:t>cs</a:t>
             </a:r>
             <a:endParaRPr lang="ko-KR" altLang="en-US" dirty="0"/>
@@ -6207,10 +6184,9 @@
           <a:lstStyle/>
           <a:p>
             <a:r>
-              <a:rPr lang="ko-KR" altLang="en-US" dirty="0" smtClean="0"/>
+              <a:rPr lang="ko-KR" altLang="en-US" dirty="0"/>
               <a:t>이동 선 입력</a:t>
             </a:r>
-            <a:endParaRPr lang="ko-KR" altLang="en-US" dirty="0"/>
           </a:p>
         </p:txBody>
       </p:sp>
@@ -6235,35 +6211,35 @@
               </a:lnSpc>
             </a:pPr>
             <a:r>
-              <a:rPr lang="en-US" altLang="ko-KR" dirty="0" smtClean="0"/>
+              <a:rPr lang="en-US" altLang="ko-KR" dirty="0"/>
               <a:t>- </a:t>
             </a:r>
             <a:r>
-              <a:rPr lang="en-US" altLang="ko-KR" dirty="0" err="1" smtClean="0"/>
+              <a:rPr lang="en-US" altLang="ko-KR" dirty="0" err="1"/>
               <a:t>PacMan</a:t>
             </a:r>
             <a:r>
-              <a:rPr lang="en-US" altLang="ko-KR" dirty="0" smtClean="0"/>
+              <a:rPr lang="en-US" altLang="ko-KR" dirty="0"/>
               <a:t>(</a:t>
             </a:r>
             <a:r>
-              <a:rPr lang="ko-KR" altLang="en-US" dirty="0" smtClean="0"/>
+              <a:rPr lang="ko-KR" altLang="en-US" dirty="0"/>
               <a:t>플레이어</a:t>
             </a:r>
             <a:r>
-              <a:rPr lang="en-US" altLang="ko-KR" dirty="0" smtClean="0"/>
+              <a:rPr lang="en-US" altLang="ko-KR" dirty="0"/>
               <a:t>)</a:t>
             </a:r>
             <a:r>
-              <a:rPr lang="ko-KR" altLang="en-US" dirty="0" smtClean="0"/>
+              <a:rPr lang="ko-KR" altLang="en-US" dirty="0"/>
               <a:t>는 </a:t>
             </a:r>
             <a:r>
-              <a:rPr lang="en-US" altLang="ko-KR" dirty="0" smtClean="0"/>
+              <a:rPr lang="en-US" altLang="ko-KR" dirty="0"/>
               <a:t>‘</a:t>
             </a:r>
             <a:r>
-              <a:rPr lang="ko-KR" altLang="en-US" dirty="0" smtClean="0">
+              <a:rPr lang="ko-KR" altLang="en-US" dirty="0">
                 <a:solidFill>
                   <a:srgbClr val="00B050"/>
                 </a:solidFill>
@@ -6271,19 +6247,19 @@
               <a:t>현재 이동 방향</a:t>
             </a:r>
             <a:r>
-              <a:rPr lang="en-US" altLang="ko-KR" dirty="0" smtClean="0"/>
+              <a:rPr lang="en-US" altLang="ko-KR" dirty="0"/>
               <a:t>’</a:t>
             </a:r>
             <a:r>
-              <a:rPr lang="ko-KR" altLang="en-US" dirty="0" smtClean="0"/>
+              <a:rPr lang="ko-KR" altLang="en-US" dirty="0"/>
               <a:t>과 </a:t>
             </a:r>
             <a:r>
-              <a:rPr lang="en-US" altLang="ko-KR" dirty="0" smtClean="0"/>
+              <a:rPr lang="en-US" altLang="ko-KR" dirty="0"/>
               <a:t>‘</a:t>
             </a:r>
             <a:r>
-              <a:rPr lang="ko-KR" altLang="en-US" dirty="0" smtClean="0">
+              <a:rPr lang="ko-KR" altLang="en-US" dirty="0">
                 <a:solidFill>
                   <a:srgbClr val="00B0F0"/>
                 </a:solidFill>
@@ -6291,14 +6267,14 @@
               <a:t>예약 이동 방향</a:t>
             </a:r>
             <a:r>
-              <a:rPr lang="en-US" altLang="ko-KR" dirty="0" smtClean="0"/>
+              <a:rPr lang="en-US" altLang="ko-KR" dirty="0"/>
               <a:t>’ 2</a:t>
             </a:r>
             <a:r>
-              <a:rPr lang="ko-KR" altLang="en-US" dirty="0" smtClean="0"/>
+              <a:rPr lang="ko-KR" altLang="en-US" dirty="0"/>
               <a:t>가지 방향을 가지고 있음</a:t>
             </a:r>
-            <a:endParaRPr lang="en-US" altLang="ko-KR" dirty="0" smtClean="0"/>
+            <a:endParaRPr lang="en-US" altLang="ko-KR" dirty="0"/>
           </a:p>
           <a:p>
             <a:pPr>
@@ -6307,15 +6283,15 @@
               </a:lnSpc>
             </a:pPr>
             <a:r>
-              <a:rPr lang="en-US" altLang="ko-KR" dirty="0" smtClean="0"/>
+              <a:rPr lang="en-US" altLang="ko-KR" dirty="0"/>
               <a:t>- </a:t>
             </a:r>
             <a:r>
-              <a:rPr lang="ko-KR" altLang="en-US" dirty="0" smtClean="0"/>
+              <a:rPr lang="ko-KR" altLang="en-US" dirty="0"/>
               <a:t>플레이어가 방향키를 </a:t>
             </a:r>
             <a:r>
-              <a:rPr lang="ko-KR" altLang="en-US" dirty="0" smtClean="0">
+              <a:rPr lang="ko-KR" altLang="en-US" dirty="0">
                 <a:solidFill>
                   <a:srgbClr val="FFFF00"/>
                 </a:solidFill>
@@ -6323,15 +6299,15 @@
               <a:t>입력</a:t>
             </a:r>
             <a:r>
-              <a:rPr lang="ko-KR" altLang="en-US" dirty="0" smtClean="0"/>
+              <a:rPr lang="ko-KR" altLang="en-US" dirty="0"/>
               <a:t>하면 </a:t>
             </a:r>
             <a:r>
-              <a:rPr lang="en-US" altLang="ko-KR" dirty="0" smtClean="0"/>
+              <a:rPr lang="en-US" altLang="ko-KR" dirty="0"/>
               <a:t>‘</a:t>
             </a:r>
             <a:r>
-              <a:rPr lang="ko-KR" altLang="en-US" dirty="0" smtClean="0">
+              <a:rPr lang="ko-KR" altLang="en-US" dirty="0">
                 <a:solidFill>
                   <a:srgbClr val="00B0F0"/>
                 </a:solidFill>
@@ -6339,14 +6315,14 @@
               <a:t>예약 이동 방향</a:t>
             </a:r>
             <a:r>
-              <a:rPr lang="en-US" altLang="ko-KR" dirty="0" smtClean="0"/>
+              <a:rPr lang="en-US" altLang="ko-KR" dirty="0"/>
               <a:t>’</a:t>
             </a:r>
             <a:r>
-              <a:rPr lang="ko-KR" altLang="en-US" dirty="0" smtClean="0"/>
+              <a:rPr lang="ko-KR" altLang="en-US" dirty="0"/>
               <a:t>을 업데이트</a:t>
             </a:r>
-            <a:endParaRPr lang="en-US" altLang="ko-KR" dirty="0" smtClean="0"/>
+            <a:endParaRPr lang="en-US" altLang="ko-KR" dirty="0"/>
           </a:p>
           <a:p>
             <a:pPr>
@@ -6354,7 +6330,7 @@
                 <a:spcPct val="150000"/>
               </a:lnSpc>
             </a:pPr>
-            <a:endParaRPr lang="en-US" altLang="ko-KR" dirty="0" smtClean="0"/>
+            <a:endParaRPr lang="en-US" altLang="ko-KR" dirty="0"/>
           </a:p>
           <a:p>
             <a:pPr>
@@ -6363,11 +6339,11 @@
               </a:lnSpc>
             </a:pPr>
             <a:r>
-              <a:rPr lang="en-US" altLang="ko-KR" dirty="0" smtClean="0"/>
+              <a:rPr lang="en-US" altLang="ko-KR" dirty="0"/>
               <a:t>1. </a:t>
             </a:r>
             <a:r>
-              <a:rPr lang="ko-KR" altLang="en-US" dirty="0" smtClean="0">
+              <a:rPr lang="ko-KR" altLang="en-US" dirty="0">
                 <a:solidFill>
                   <a:srgbClr val="FFFF00"/>
                 </a:solidFill>
@@ -6375,15 +6351,15 @@
               <a:t>타일 이동</a:t>
             </a:r>
             <a:r>
-              <a:rPr lang="ko-KR" altLang="en-US" dirty="0" smtClean="0"/>
+              <a:rPr lang="ko-KR" altLang="en-US" dirty="0"/>
               <a:t>이 끝나면 </a:t>
             </a:r>
             <a:r>
-              <a:rPr lang="en-US" altLang="ko-KR" dirty="0" smtClean="0"/>
+              <a:rPr lang="en-US" altLang="ko-KR" dirty="0"/>
               <a:t>‘</a:t>
             </a:r>
             <a:r>
-              <a:rPr lang="ko-KR" altLang="en-US" dirty="0" smtClean="0">
+              <a:rPr lang="ko-KR" altLang="en-US" dirty="0">
                 <a:solidFill>
                   <a:srgbClr val="00B0F0"/>
                 </a:solidFill>
@@ -6391,14 +6367,14 @@
               <a:t>예약 이동 방향</a:t>
             </a:r>
             <a:r>
-              <a:rPr lang="en-US" altLang="ko-KR" dirty="0" smtClean="0"/>
+              <a:rPr lang="en-US" altLang="ko-KR" dirty="0"/>
               <a:t>’</a:t>
             </a:r>
             <a:r>
-              <a:rPr lang="ko-KR" altLang="en-US" dirty="0" smtClean="0"/>
+              <a:rPr lang="ko-KR" altLang="en-US" dirty="0"/>
               <a:t>으로 이동할 수 있는지 확인</a:t>
             </a:r>
-            <a:endParaRPr lang="en-US" altLang="ko-KR" dirty="0" smtClean="0"/>
+            <a:endParaRPr lang="en-US" altLang="ko-KR" dirty="0"/>
           </a:p>
           <a:p>
             <a:pPr>
@@ -6407,11 +6383,11 @@
               </a:lnSpc>
             </a:pPr>
             <a:r>
-              <a:rPr lang="en-US" altLang="ko-KR" dirty="0" smtClean="0"/>
+              <a:rPr lang="en-US" altLang="ko-KR" dirty="0"/>
               <a:t>2. ‘</a:t>
             </a:r>
             <a:r>
-              <a:rPr lang="ko-KR" altLang="en-US" dirty="0" smtClean="0">
+              <a:rPr lang="ko-KR" altLang="en-US" dirty="0">
                 <a:solidFill>
                   <a:srgbClr val="00B0F0"/>
                 </a:solidFill>
@@ -6419,15 +6395,15 @@
               <a:t>예약 이동 방향</a:t>
             </a:r>
             <a:r>
-              <a:rPr lang="en-US" altLang="ko-KR" dirty="0" smtClean="0"/>
+              <a:rPr lang="en-US" altLang="ko-KR" dirty="0"/>
               <a:t>’</a:t>
             </a:r>
             <a:r>
-              <a:rPr lang="ko-KR" altLang="en-US" dirty="0" smtClean="0"/>
+              <a:rPr lang="ko-KR" altLang="en-US" dirty="0"/>
               <a:t>으로 이동할 수 </a:t>
             </a:r>
             <a:r>
-              <a:rPr lang="ko-KR" altLang="en-US" dirty="0" smtClean="0">
+              <a:rPr lang="ko-KR" altLang="en-US" dirty="0">
                 <a:solidFill>
                   <a:srgbClr val="FF0000"/>
                 </a:solidFill>
@@ -6435,15 +6411,15 @@
               <a:t>없으면</a:t>
             </a:r>
             <a:r>
-              <a:rPr lang="ko-KR" altLang="en-US" dirty="0" smtClean="0"/>
+              <a:rPr lang="ko-KR" altLang="en-US" dirty="0"/>
               <a:t> </a:t>
             </a:r>
             <a:r>
-              <a:rPr lang="en-US" altLang="ko-KR" dirty="0" smtClean="0"/>
+              <a:rPr lang="en-US" altLang="ko-KR" dirty="0"/>
               <a:t>‘</a:t>
             </a:r>
             <a:r>
-              <a:rPr lang="ko-KR" altLang="en-US" dirty="0" smtClean="0">
+              <a:rPr lang="ko-KR" altLang="en-US" dirty="0">
                 <a:solidFill>
                   <a:srgbClr val="00B050"/>
                 </a:solidFill>
@@ -6451,22 +6427,22 @@
               <a:t>현재 이동 방향</a:t>
             </a:r>
             <a:r>
-              <a:rPr lang="en-US" altLang="ko-KR" dirty="0" smtClean="0"/>
+              <a:rPr lang="en-US" altLang="ko-KR" dirty="0"/>
               <a:t>’ </a:t>
             </a:r>
             <a:r>
-              <a:rPr lang="ko-KR" altLang="en-US" dirty="0" smtClean="0"/>
+              <a:rPr lang="ko-KR" altLang="en-US" dirty="0"/>
               <a:t>으로 </a:t>
             </a:r>
             <a:r>
-              <a:rPr lang="ko-KR" altLang="en-US" dirty="0" smtClean="0">
+              <a:rPr lang="ko-KR" altLang="en-US" dirty="0">
                 <a:solidFill>
                   <a:srgbClr val="FFFF00"/>
                 </a:solidFill>
               </a:rPr>
               <a:t>계속 이동</a:t>
             </a:r>
-            <a:endParaRPr lang="en-US" altLang="ko-KR" dirty="0" smtClean="0">
+            <a:endParaRPr lang="en-US" altLang="ko-KR" dirty="0">
               <a:solidFill>
                 <a:srgbClr val="FFFF00"/>
               </a:solidFill>
@@ -6479,11 +6455,11 @@
               </a:lnSpc>
             </a:pPr>
             <a:r>
-              <a:rPr lang="en-US" altLang="ko-KR" dirty="0" smtClean="0"/>
+              <a:rPr lang="en-US" altLang="ko-KR" dirty="0"/>
               <a:t>3. ‘</a:t>
             </a:r>
             <a:r>
-              <a:rPr lang="ko-KR" altLang="en-US" dirty="0" smtClean="0">
+              <a:rPr lang="ko-KR" altLang="en-US" dirty="0">
                 <a:solidFill>
                   <a:srgbClr val="00B050"/>
                 </a:solidFill>
@@ -6491,15 +6467,15 @@
               <a:t>현재 이동 방향</a:t>
             </a:r>
             <a:r>
-              <a:rPr lang="en-US" altLang="ko-KR" dirty="0" smtClean="0"/>
+              <a:rPr lang="en-US" altLang="ko-KR" dirty="0"/>
               <a:t>’</a:t>
             </a:r>
             <a:r>
-              <a:rPr lang="ko-KR" altLang="en-US" dirty="0" smtClean="0"/>
+              <a:rPr lang="ko-KR" altLang="en-US" dirty="0"/>
               <a:t>으로도 이동할 수 </a:t>
             </a:r>
             <a:r>
-              <a:rPr lang="ko-KR" altLang="en-US" dirty="0" smtClean="0">
+              <a:rPr lang="ko-KR" altLang="en-US" dirty="0">
                 <a:solidFill>
                   <a:srgbClr val="FF0000"/>
                 </a:solidFill>
@@ -6507,7 +6483,7 @@
               <a:t>없으면</a:t>
             </a:r>
             <a:r>
-              <a:rPr lang="ko-KR" altLang="en-US" dirty="0" smtClean="0"/>
+              <a:rPr lang="ko-KR" altLang="en-US" dirty="0"/>
               <a:t> 이동 종료</a:t>
             </a:r>
             <a:endParaRPr lang="en-US" altLang="ko-KR" dirty="0"/>
@@ -6583,14 +6559,13 @@
           <a:lstStyle/>
           <a:p>
             <a:r>
-              <a:rPr lang="en-US" altLang="ko-KR" dirty="0" smtClean="0"/>
+              <a:rPr lang="en-US" altLang="ko-KR" dirty="0"/>
               <a:t>A* </a:t>
             </a:r>
             <a:r>
-              <a:rPr lang="ko-KR" altLang="en-US" dirty="0" smtClean="0"/>
+              <a:rPr lang="ko-KR" altLang="en-US" dirty="0"/>
               <a:t>알고리즘</a:t>
             </a:r>
-            <a:endParaRPr lang="ko-KR" altLang="en-US" dirty="0"/>
           </a:p>
         </p:txBody>
       </p:sp>
@@ -6615,26 +6590,26 @@
               </a:lnSpc>
             </a:pPr>
             <a:r>
-              <a:rPr lang="en-US" altLang="ko-KR" dirty="0" smtClean="0"/>
+              <a:rPr lang="en-US" altLang="ko-KR" dirty="0"/>
               <a:t>- </a:t>
             </a:r>
             <a:r>
-              <a:rPr lang="ko-KR" altLang="en-US" dirty="0" smtClean="0"/>
+              <a:rPr lang="ko-KR" altLang="en-US" dirty="0"/>
               <a:t>유령의 목적지 도착 경로는 </a:t>
             </a:r>
             <a:r>
-              <a:rPr lang="en-US" altLang="ko-KR" b="1" dirty="0" smtClean="0"/>
+              <a:rPr lang="en-US" altLang="ko-KR" b="1" dirty="0"/>
               <a:t>A* </a:t>
             </a:r>
             <a:r>
-              <a:rPr lang="ko-KR" altLang="en-US" b="1" dirty="0" smtClean="0"/>
+              <a:rPr lang="ko-KR" altLang="en-US" b="1" dirty="0"/>
               <a:t>알고리즘</a:t>
             </a:r>
             <a:r>
-              <a:rPr lang="ko-KR" altLang="en-US" dirty="0" smtClean="0"/>
+              <a:rPr lang="ko-KR" altLang="en-US" dirty="0"/>
               <a:t>으로 계산</a:t>
             </a:r>
-            <a:endParaRPr lang="en-US" altLang="ko-KR" dirty="0" smtClean="0"/>
+            <a:endParaRPr lang="en-US" altLang="ko-KR" dirty="0"/>
           </a:p>
           <a:p>
             <a:pPr>
@@ -6643,19 +6618,19 @@
               </a:lnSpc>
             </a:pPr>
             <a:r>
-              <a:rPr lang="en-US" altLang="ko-KR" dirty="0" smtClean="0"/>
+              <a:rPr lang="en-US" altLang="ko-KR" dirty="0"/>
               <a:t>- </a:t>
             </a:r>
             <a:r>
-              <a:rPr lang="en-US" altLang="ko-KR" b="1" dirty="0" smtClean="0"/>
+              <a:rPr lang="en-US" altLang="ko-KR" b="1" dirty="0"/>
               <a:t>A* </a:t>
             </a:r>
             <a:r>
-              <a:rPr lang="ko-KR" altLang="en-US" b="1" dirty="0" smtClean="0"/>
+              <a:rPr lang="ko-KR" altLang="en-US" b="1" dirty="0"/>
               <a:t>알고리즘은 </a:t>
             </a:r>
             <a:r>
-              <a:rPr lang="en-US" altLang="ko-KR" dirty="0" smtClean="0">
+              <a:rPr lang="en-US" altLang="ko-KR" dirty="0">
                 <a:solidFill>
                   <a:srgbClr val="FFFF00"/>
                 </a:solidFill>
@@ -6663,22 +6638,22 @@
               <a:t>Update()</a:t>
             </a:r>
             <a:r>
-              <a:rPr lang="en-US" altLang="ko-KR" dirty="0" smtClean="0"/>
+              <a:rPr lang="en-US" altLang="ko-KR" dirty="0"/>
               <a:t> </a:t>
             </a:r>
             <a:r>
-              <a:rPr lang="ko-KR" altLang="en-US" dirty="0" smtClean="0"/>
+              <a:rPr lang="ko-KR" altLang="en-US" dirty="0"/>
               <a:t>마다 </a:t>
             </a:r>
             <a:r>
-              <a:rPr lang="ko-KR" altLang="en-US" b="1" dirty="0" smtClean="0">
+              <a:rPr lang="ko-KR" altLang="en-US" b="1" dirty="0">
                 <a:solidFill>
                   <a:srgbClr val="FF0000"/>
                 </a:solidFill>
               </a:rPr>
               <a:t>호출하지 않음</a:t>
             </a:r>
-            <a:endParaRPr lang="en-US" altLang="ko-KR" b="1" dirty="0" smtClean="0">
+            <a:endParaRPr lang="en-US" altLang="ko-KR" b="1" dirty="0">
               <a:solidFill>
                 <a:srgbClr val="FF0000"/>
               </a:solidFill>
@@ -6691,26 +6666,26 @@
               </a:lnSpc>
             </a:pPr>
             <a:r>
-              <a:rPr lang="en-US" altLang="ko-KR" dirty="0" smtClean="0"/>
+              <a:rPr lang="en-US" altLang="ko-KR" dirty="0"/>
               <a:t>- </a:t>
             </a:r>
             <a:r>
-              <a:rPr lang="en-US" altLang="ko-KR" b="1" dirty="0" smtClean="0"/>
+              <a:rPr lang="en-US" altLang="ko-KR" b="1" dirty="0"/>
               <a:t>A* </a:t>
             </a:r>
             <a:r>
-              <a:rPr lang="ko-KR" altLang="en-US" b="1" dirty="0" smtClean="0"/>
+              <a:rPr lang="ko-KR" altLang="en-US" b="1" dirty="0"/>
               <a:t>알고리즘은 </a:t>
             </a:r>
             <a:r>
-              <a:rPr lang="ko-KR" altLang="en-US" dirty="0" smtClean="0"/>
+              <a:rPr lang="ko-KR" altLang="en-US" dirty="0"/>
               <a:t>각 유령 객체 마다 </a:t>
             </a:r>
             <a:r>
-              <a:rPr lang="ko-KR" altLang="en-US" b="1" dirty="0" smtClean="0"/>
+              <a:rPr lang="ko-KR" altLang="en-US" b="1" dirty="0"/>
               <a:t>호출 시점이 다름</a:t>
             </a:r>
-            <a:endParaRPr lang="en-US" altLang="ko-KR" b="1" dirty="0" smtClean="0"/>
+            <a:endParaRPr lang="en-US" altLang="ko-KR" b="1" dirty="0"/>
           </a:p>
           <a:p>
             <a:pPr>
@@ -6719,11 +6694,11 @@
               </a:lnSpc>
             </a:pPr>
             <a:r>
-              <a:rPr lang="en-US" altLang="ko-KR" dirty="0" smtClean="0"/>
+              <a:rPr lang="en-US" altLang="ko-KR" dirty="0"/>
               <a:t>1. </a:t>
             </a:r>
             <a:r>
-              <a:rPr lang="ko-KR" altLang="en-US" dirty="0" smtClean="0">
+              <a:rPr lang="ko-KR" altLang="en-US" dirty="0">
                 <a:solidFill>
                   <a:srgbClr val="00B050"/>
                 </a:solidFill>
@@ -6731,10 +6706,10 @@
               <a:t>새로운 목적지</a:t>
             </a:r>
             <a:r>
-              <a:rPr lang="ko-KR" altLang="en-US" dirty="0" smtClean="0"/>
+              <a:rPr lang="ko-KR" altLang="en-US" dirty="0"/>
               <a:t>를 부여 받을 때</a:t>
             </a:r>
-            <a:endParaRPr lang="en-US" altLang="ko-KR" dirty="0" smtClean="0"/>
+            <a:endParaRPr lang="en-US" altLang="ko-KR" dirty="0"/>
           </a:p>
           <a:p>
             <a:pPr>
@@ -6743,19 +6718,19 @@
               </a:lnSpc>
             </a:pPr>
             <a:r>
-              <a:rPr lang="en-US" altLang="ko-KR" dirty="0" smtClean="0"/>
+              <a:rPr lang="en-US" altLang="ko-KR" dirty="0"/>
               <a:t>2. </a:t>
             </a:r>
             <a:r>
-              <a:rPr lang="ko-KR" altLang="en-US" dirty="0" err="1" smtClean="0"/>
+              <a:rPr lang="ko-KR" altLang="en-US" dirty="0" err="1"/>
               <a:t>팩맨을</a:t>
             </a:r>
             <a:r>
-              <a:rPr lang="ko-KR" altLang="en-US" dirty="0" smtClean="0"/>
+              <a:rPr lang="ko-KR" altLang="en-US" dirty="0"/>
               <a:t> </a:t>
             </a:r>
             <a:r>
-              <a:rPr lang="ko-KR" altLang="en-US" dirty="0" smtClean="0">
+              <a:rPr lang="ko-KR" altLang="en-US" dirty="0">
                 <a:solidFill>
                   <a:srgbClr val="FF0000"/>
                 </a:solidFill>
@@ -6763,19 +6738,19 @@
               <a:t>추적</a:t>
             </a:r>
             <a:r>
-              <a:rPr lang="ko-KR" altLang="en-US" dirty="0" smtClean="0"/>
+              <a:rPr lang="ko-KR" altLang="en-US" dirty="0"/>
               <a:t>하는 상태 </a:t>
             </a:r>
             <a:r>
-              <a:rPr lang="en-US" altLang="ko-KR" dirty="0" smtClean="0"/>
+              <a:rPr lang="en-US" altLang="ko-KR" dirty="0"/>
               <a:t>&amp; </a:t>
             </a:r>
             <a:r>
-              <a:rPr lang="ko-KR" altLang="en-US" dirty="0" smtClean="0"/>
+              <a:rPr lang="ko-KR" altLang="en-US" dirty="0"/>
               <a:t>타일 이동을 </a:t>
             </a:r>
             <a:r>
-              <a:rPr lang="ko-KR" altLang="en-US" dirty="0" smtClean="0">
+              <a:rPr lang="ko-KR" altLang="en-US" dirty="0">
                 <a:solidFill>
                   <a:srgbClr val="0070C0"/>
                 </a:solidFill>
@@ -6783,10 +6758,10 @@
               <a:t>완전히</a:t>
             </a:r>
             <a:r>
-              <a:rPr lang="ko-KR" altLang="en-US" dirty="0" smtClean="0"/>
+              <a:rPr lang="ko-KR" altLang="en-US" dirty="0"/>
               <a:t> 끝냈을 때</a:t>
             </a:r>
-            <a:endParaRPr lang="en-US" altLang="ko-KR" dirty="0" smtClean="0"/>
+            <a:endParaRPr lang="en-US" altLang="ko-KR" dirty="0"/>
           </a:p>
           <a:p>
             <a:pPr marL="0" indent="0">
@@ -6795,7 +6770,7 @@
               </a:lnSpc>
               <a:buNone/>
             </a:pPr>
-            <a:endParaRPr lang="en-US" altLang="ko-KR" dirty="0" smtClean="0"/>
+            <a:endParaRPr lang="en-US" altLang="ko-KR" dirty="0"/>
           </a:p>
         </p:txBody>
       </p:sp>
@@ -6868,10 +6843,9 @@
           <a:lstStyle/>
           <a:p>
             <a:r>
-              <a:rPr lang="ko-KR" altLang="en-US" dirty="0" smtClean="0"/>
+              <a:rPr lang="ko-KR" altLang="en-US" dirty="0"/>
               <a:t>유령 행동 규칙</a:t>
             </a:r>
-            <a:endParaRPr lang="ko-KR" altLang="en-US" dirty="0"/>
           </a:p>
         </p:txBody>
       </p:sp>
@@ -7002,8 +6976,8 @@
         </p:nvSpPr>
         <p:spPr>
           <a:xfrm>
-            <a:off x="2886333" y="2145010"/>
-            <a:ext cx="2967479" cy="923330"/>
+            <a:off x="2886332" y="1912836"/>
+            <a:ext cx="3110147" cy="1754326"/>
           </a:xfrm>
           <a:prstGeom prst="rect">
             <a:avLst/>
@@ -7017,19 +6991,15 @@
           <a:lstStyle/>
           <a:p>
             <a:r>
-              <a:rPr lang="en-US" altLang="ko-KR" dirty="0" smtClean="0"/>
+              <a:rPr lang="en-US" altLang="ko-KR" dirty="0"/>
               <a:t>[</a:t>
             </a:r>
             <a:r>
               <a:rPr lang="ko-KR" altLang="en-US" dirty="0" err="1"/>
-              <a:t>블</a:t>
-            </a:r>
-            <a:r>
-              <a:rPr lang="ko-KR" altLang="en-US" dirty="0" err="1" smtClean="0"/>
-              <a:t>링키</a:t>
-            </a:r>
-            <a:r>
-              <a:rPr lang="en-US" altLang="ko-KR" dirty="0" smtClean="0"/>
+              <a:t>블링키</a:t>
+            </a:r>
+            <a:r>
+              <a:rPr lang="en-US" altLang="ko-KR" dirty="0"/>
               <a:t>]</a:t>
             </a:r>
           </a:p>
@@ -7039,15 +7009,15 @@
               <a:buChar char="-"/>
             </a:pPr>
             <a:r>
-              <a:rPr lang="ko-KR" altLang="en-US" dirty="0" err="1" smtClean="0"/>
+              <a:rPr lang="ko-KR" altLang="en-US" dirty="0" err="1"/>
               <a:t>팩맨의</a:t>
             </a:r>
             <a:r>
-              <a:rPr lang="ko-KR" altLang="en-US" dirty="0" smtClean="0"/>
+              <a:rPr lang="ko-KR" altLang="en-US" dirty="0"/>
               <a:t> </a:t>
             </a:r>
             <a:r>
-              <a:rPr lang="ko-KR" altLang="en-US" dirty="0" smtClean="0">
+              <a:rPr lang="ko-KR" altLang="en-US" dirty="0">
                 <a:solidFill>
                   <a:srgbClr val="FF0000"/>
                 </a:solidFill>
@@ -7055,10 +7025,10 @@
               <a:t>뒤</a:t>
             </a:r>
             <a:r>
-              <a:rPr lang="ko-KR" altLang="en-US" dirty="0" smtClean="0"/>
+              <a:rPr lang="ko-KR" altLang="en-US" dirty="0"/>
               <a:t>를 쫓는다</a:t>
             </a:r>
-            <a:endParaRPr lang="en-US" altLang="ko-KR" dirty="0" smtClean="0"/>
+            <a:endParaRPr lang="en-US" altLang="ko-KR" dirty="0"/>
           </a:p>
           <a:p>
             <a:pPr marL="285750" indent="-285750">
@@ -7066,63 +7036,41 @@
               <a:buChar char="-"/>
             </a:pPr>
             <a:r>
-              <a:rPr lang="ko-KR" altLang="en-US" dirty="0" smtClean="0"/>
-              <a:t>주눅 모드</a:t>
-            </a:r>
-            <a:r>
-              <a:rPr lang="en-US" altLang="ko-KR" dirty="0" smtClean="0"/>
-              <a:t>(1</a:t>
-            </a:r>
-            <a:r>
-              <a:rPr lang="ko-KR" altLang="en-US" dirty="0" smtClean="0"/>
-              <a:t>시 방향 도주</a:t>
-            </a:r>
-            <a:r>
-              <a:rPr lang="en-US" altLang="ko-KR" dirty="0" smtClean="0"/>
-              <a:t>)</a:t>
-            </a:r>
-            <a:endParaRPr lang="ko-KR" altLang="en-US" dirty="0"/>
-          </a:p>
-        </p:txBody>
-      </p:sp>
-      <p:sp>
-        <p:nvSpPr>
-          <p:cNvPr id="13" name="TextBox 12"/>
-          <p:cNvSpPr txBox="1"/>
-          <p:nvPr/>
-        </p:nvSpPr>
-        <p:spPr>
-          <a:xfrm>
-            <a:off x="2827824" y="4187649"/>
-            <a:ext cx="3084499" cy="923330"/>
-          </a:xfrm>
-          <a:prstGeom prst="rect">
-            <a:avLst/>
-          </a:prstGeom>
-          <a:noFill/>
-        </p:spPr>
-        <p:txBody>
-          <a:bodyPr wrap="none" rtlCol="0">
-            <a:spAutoFit/>
-          </a:bodyPr>
-          <a:lstStyle/>
-          <a:p>
-            <a:r>
-              <a:rPr lang="en-US" altLang="ko-KR" dirty="0" smtClean="0"/>
-              <a:t>[</a:t>
-            </a:r>
-            <a:r>
               <a:rPr lang="ko-KR" altLang="en-US" dirty="0" err="1"/>
-              <a:t>핑</a:t>
-            </a:r>
-            <a:r>
-              <a:rPr lang="ko-KR" altLang="en-US" dirty="0" err="1" smtClean="0"/>
-              <a:t>키</a:t>
-            </a:r>
-            <a:r>
-              <a:rPr lang="en-US" altLang="ko-KR" dirty="0" smtClean="0"/>
-              <a:t>]</a:t>
-            </a:r>
+              <a:t>팩맨이</a:t>
+            </a:r>
+            <a:r>
+              <a:rPr lang="ko-KR" altLang="en-US" dirty="0"/>
+              <a:t> </a:t>
+            </a:r>
+            <a:r>
+              <a:rPr lang="ko-KR" altLang="en-US" b="1" dirty="0"/>
+              <a:t>쿠키</a:t>
+            </a:r>
+            <a:r>
+              <a:rPr lang="ko-KR" altLang="en-US" dirty="0"/>
+              <a:t>를 먹을수록</a:t>
+            </a:r>
+            <a:br>
+              <a:rPr lang="en-US" altLang="ko-KR" dirty="0"/>
+            </a:br>
+            <a:r>
+              <a:rPr lang="ko-KR" altLang="en-US" dirty="0"/>
+              <a:t>속도가 </a:t>
+            </a:r>
+            <a:r>
+              <a:rPr lang="ko-KR" altLang="en-US" dirty="0">
+                <a:solidFill>
+                  <a:srgbClr val="00B050"/>
+                </a:solidFill>
+              </a:rPr>
+              <a:t>점차 증가</a:t>
+            </a:r>
+            <a:r>
+              <a:rPr lang="ko-KR" altLang="en-US" dirty="0"/>
+              <a:t>한다</a:t>
+            </a:r>
+            <a:endParaRPr lang="en-US" altLang="ko-KR" dirty="0"/>
           </a:p>
           <a:p>
             <a:pPr marL="285750" indent="-285750">
@@ -7130,15 +7078,96 @@
               <a:buChar char="-"/>
             </a:pPr>
             <a:r>
-              <a:rPr lang="ko-KR" altLang="en-US" dirty="0" err="1" smtClean="0"/>
+              <a:rPr lang="ko-KR" altLang="en-US" dirty="0"/>
+              <a:t>주눅 모드</a:t>
+            </a:r>
+            <a:r>
+              <a:rPr lang="en-US" altLang="ko-KR" dirty="0"/>
+              <a:t>(1</a:t>
+            </a:r>
+            <a:r>
+              <a:rPr lang="ko-KR" altLang="en-US" dirty="0"/>
+              <a:t>시 방향 도주</a:t>
+            </a:r>
+            <a:r>
+              <a:rPr lang="en-US" altLang="ko-KR" dirty="0"/>
+              <a:t>)</a:t>
+            </a:r>
+          </a:p>
+          <a:p>
+            <a:pPr marL="285750" indent="-285750">
+              <a:buFontTx/>
+              <a:buChar char="-"/>
+            </a:pPr>
+            <a:r>
+              <a:rPr lang="ko-KR" altLang="en-US" dirty="0"/>
+              <a:t>게임 시작 </a:t>
+            </a:r>
+            <a:r>
+              <a:rPr lang="en-US" altLang="ko-KR" dirty="0">
+                <a:solidFill>
+                  <a:srgbClr val="00B0F0"/>
+                </a:solidFill>
+              </a:rPr>
+              <a:t>1</a:t>
+            </a:r>
+            <a:r>
+              <a:rPr lang="ko-KR" altLang="en-US" dirty="0"/>
+              <a:t>초 후 움직인다</a:t>
+            </a:r>
+          </a:p>
+        </p:txBody>
+      </p:sp>
+      <p:sp>
+        <p:nvSpPr>
+          <p:cNvPr id="13" name="TextBox 12"/>
+          <p:cNvSpPr txBox="1"/>
+          <p:nvPr/>
+        </p:nvSpPr>
+        <p:spPr>
+          <a:xfrm>
+            <a:off x="2827824" y="4187649"/>
+            <a:ext cx="3227165" cy="1200329"/>
+          </a:xfrm>
+          <a:prstGeom prst="rect">
+            <a:avLst/>
+          </a:prstGeom>
+          <a:noFill/>
+        </p:spPr>
+        <p:txBody>
+          <a:bodyPr wrap="none" rtlCol="0">
+            <a:spAutoFit/>
+          </a:bodyPr>
+          <a:lstStyle/>
+          <a:p>
+            <a:r>
+              <a:rPr lang="en-US" altLang="ko-KR" dirty="0"/>
+              <a:t>[</a:t>
+            </a:r>
+            <a:r>
+              <a:rPr lang="ko-KR" altLang="en-US" dirty="0" err="1"/>
+              <a:t>핑키</a:t>
+            </a:r>
+            <a:r>
+              <a:rPr lang="en-US" altLang="ko-KR" dirty="0"/>
+              <a:t>]</a:t>
+            </a:r>
+          </a:p>
+          <a:p>
+            <a:pPr marL="285750" indent="-285750">
+              <a:buFontTx/>
+              <a:buChar char="-"/>
+            </a:pPr>
+            <a:r>
+              <a:rPr lang="ko-KR" altLang="en-US" dirty="0" err="1"/>
               <a:t>팩맨의</a:t>
             </a:r>
             <a:r>
-              <a:rPr lang="ko-KR" altLang="en-US" dirty="0" smtClean="0"/>
+              <a:rPr lang="ko-KR" altLang="en-US" dirty="0"/>
               <a:t> </a:t>
             </a:r>
             <a:r>
-              <a:rPr lang="ko-KR" altLang="en-US" dirty="0" smtClean="0">
+              <a:rPr lang="ko-KR" altLang="en-US" dirty="0">
                 <a:solidFill>
                   <a:srgbClr val="FF0000"/>
                 </a:solidFill>
@@ -7146,10 +7175,10 @@
               <a:t>앞지르기</a:t>
             </a:r>
             <a:r>
-              <a:rPr lang="ko-KR" altLang="en-US" dirty="0" smtClean="0"/>
+              <a:rPr lang="ko-KR" altLang="en-US" dirty="0"/>
               <a:t> 시도</a:t>
             </a:r>
-            <a:endParaRPr lang="en-US" altLang="ko-KR" dirty="0" smtClean="0"/>
+            <a:endParaRPr lang="en-US" altLang="ko-KR" dirty="0"/>
           </a:p>
           <a:p>
             <a:pPr marL="285750" indent="-285750">
@@ -7157,58 +7186,20 @@
               <a:buChar char="-"/>
             </a:pPr>
             <a:r>
-              <a:rPr lang="ko-KR" altLang="en-US" dirty="0" smtClean="0"/>
+              <a:rPr lang="ko-KR" altLang="en-US" dirty="0"/>
               <a:t>주눅 모드</a:t>
             </a:r>
             <a:r>
-              <a:rPr lang="en-US" altLang="ko-KR" dirty="0" smtClean="0"/>
+              <a:rPr lang="en-US" altLang="ko-KR" dirty="0"/>
               <a:t>(11</a:t>
             </a:r>
             <a:r>
-              <a:rPr lang="ko-KR" altLang="en-US" dirty="0" smtClean="0"/>
+              <a:rPr lang="ko-KR" altLang="en-US" dirty="0"/>
               <a:t>시 방향 도주</a:t>
             </a:r>
             <a:r>
-              <a:rPr lang="en-US" altLang="ko-KR" dirty="0" smtClean="0"/>
+              <a:rPr lang="en-US" altLang="ko-KR" dirty="0"/>
               <a:t>)</a:t>
-            </a:r>
-            <a:endParaRPr lang="ko-KR" altLang="en-US" dirty="0"/>
-          </a:p>
-        </p:txBody>
-      </p:sp>
-      <p:sp>
-        <p:nvSpPr>
-          <p:cNvPr id="14" name="TextBox 13"/>
-          <p:cNvSpPr txBox="1"/>
-          <p:nvPr/>
-        </p:nvSpPr>
-        <p:spPr>
-          <a:xfrm>
-            <a:off x="7257933" y="2145010"/>
-            <a:ext cx="3171061" cy="923330"/>
-          </a:xfrm>
-          <a:prstGeom prst="rect">
-            <a:avLst/>
-          </a:prstGeom>
-          <a:noFill/>
-        </p:spPr>
-        <p:txBody>
-          <a:bodyPr wrap="none" rtlCol="0">
-            <a:spAutoFit/>
-          </a:bodyPr>
-          <a:lstStyle/>
-          <a:p>
-            <a:r>
-              <a:rPr lang="en-US" altLang="ko-KR" dirty="0" smtClean="0"/>
-              <a:t>[</a:t>
-            </a:r>
-            <a:r>
-              <a:rPr lang="ko-KR" altLang="en-US" dirty="0" err="1" smtClean="0"/>
-              <a:t>잉키</a:t>
-            </a:r>
-            <a:r>
-              <a:rPr lang="en-US" altLang="ko-KR" dirty="0" smtClean="0"/>
-              <a:t>]</a:t>
             </a:r>
           </a:p>
           <a:p>
@@ -7217,15 +7208,74 @@
               <a:buChar char="-"/>
             </a:pPr>
             <a:r>
-              <a:rPr lang="ko-KR" altLang="en-US" dirty="0" err="1" smtClean="0"/>
+              <a:rPr lang="ko-KR" altLang="en-US" dirty="0"/>
+              <a:t>게임 시작 </a:t>
+            </a:r>
+            <a:r>
+              <a:rPr lang="en-US" altLang="ko-KR" dirty="0">
+                <a:solidFill>
+                  <a:srgbClr val="00B0F0"/>
+                </a:solidFill>
+              </a:rPr>
+              <a:t>10</a:t>
+            </a:r>
+            <a:r>
+              <a:rPr lang="ko-KR" altLang="en-US" dirty="0"/>
+              <a:t>초 후 움직인다</a:t>
+            </a:r>
+          </a:p>
+        </p:txBody>
+      </p:sp>
+      <p:sp>
+        <p:nvSpPr>
+          <p:cNvPr id="14" name="TextBox 13"/>
+          <p:cNvSpPr txBox="1"/>
+          <p:nvPr/>
+        </p:nvSpPr>
+        <p:spPr>
+          <a:xfrm>
+            <a:off x="7238813" y="1909645"/>
+            <a:ext cx="3227165" cy="1200329"/>
+          </a:xfrm>
+          <a:prstGeom prst="rect">
+            <a:avLst/>
+          </a:prstGeom>
+          <a:noFill/>
+        </p:spPr>
+        <p:txBody>
+          <a:bodyPr wrap="none" rtlCol="0">
+            <a:spAutoFit/>
+          </a:bodyPr>
+          <a:lstStyle/>
+          <a:p>
+            <a:r>
+              <a:rPr lang="en-US" altLang="ko-KR" dirty="0"/>
+              <a:t>[</a:t>
+            </a:r>
+            <a:r>
+              <a:rPr lang="ko-KR" altLang="en-US" dirty="0" err="1"/>
+              <a:t>잉키</a:t>
+            </a:r>
+            <a:r>
+              <a:rPr lang="en-US" altLang="ko-KR" dirty="0"/>
+              <a:t>]</a:t>
+            </a:r>
+          </a:p>
+          <a:p>
+            <a:pPr marL="285750" indent="-285750">
+              <a:buFontTx/>
+              <a:buChar char="-"/>
+            </a:pPr>
+            <a:r>
+              <a:rPr lang="ko-KR" altLang="en-US" dirty="0" err="1"/>
               <a:t>팩맨과</a:t>
             </a:r>
             <a:r>
-              <a:rPr lang="ko-KR" altLang="en-US" dirty="0" smtClean="0"/>
+              <a:rPr lang="ko-KR" altLang="en-US" dirty="0"/>
               <a:t> </a:t>
             </a:r>
             <a:r>
-              <a:rPr lang="ko-KR" altLang="en-US" dirty="0" smtClean="0">
+              <a:rPr lang="ko-KR" altLang="en-US" dirty="0">
                 <a:solidFill>
                   <a:srgbClr val="FF0000"/>
                 </a:solidFill>
@@ -7233,10 +7283,10 @@
               <a:t>점대칭 위치</a:t>
             </a:r>
             <a:r>
-              <a:rPr lang="ko-KR" altLang="en-US" dirty="0" smtClean="0"/>
+              <a:rPr lang="ko-KR" altLang="en-US" dirty="0"/>
               <a:t>로 이동</a:t>
             </a:r>
-            <a:endParaRPr lang="en-US" altLang="ko-KR" dirty="0" smtClean="0"/>
+            <a:endParaRPr lang="en-US" altLang="ko-KR" dirty="0"/>
           </a:p>
           <a:p>
             <a:pPr marL="285750" indent="-285750">
@@ -7244,58 +7294,20 @@
               <a:buChar char="-"/>
             </a:pPr>
             <a:r>
-              <a:rPr lang="ko-KR" altLang="en-US" dirty="0" smtClean="0"/>
+              <a:rPr lang="ko-KR" altLang="en-US" dirty="0"/>
               <a:t>주눅 모드</a:t>
             </a:r>
             <a:r>
-              <a:rPr lang="en-US" altLang="ko-KR" dirty="0" smtClean="0"/>
+              <a:rPr lang="en-US" altLang="ko-KR" dirty="0"/>
               <a:t>(5</a:t>
             </a:r>
             <a:r>
-              <a:rPr lang="ko-KR" altLang="en-US" dirty="0" smtClean="0"/>
+              <a:rPr lang="ko-KR" altLang="en-US" dirty="0"/>
               <a:t>시 방향 도주</a:t>
             </a:r>
             <a:r>
-              <a:rPr lang="en-US" altLang="ko-KR" dirty="0" smtClean="0"/>
+              <a:rPr lang="en-US" altLang="ko-KR" dirty="0"/>
               <a:t>)</a:t>
-            </a:r>
-            <a:endParaRPr lang="ko-KR" altLang="en-US" dirty="0"/>
-          </a:p>
-        </p:txBody>
-      </p:sp>
-      <p:sp>
-        <p:nvSpPr>
-          <p:cNvPr id="15" name="TextBox 14"/>
-          <p:cNvSpPr txBox="1"/>
-          <p:nvPr/>
-        </p:nvSpPr>
-        <p:spPr>
-          <a:xfrm>
-            <a:off x="7257933" y="4278801"/>
-            <a:ext cx="2967479" cy="923330"/>
-          </a:xfrm>
-          <a:prstGeom prst="rect">
-            <a:avLst/>
-          </a:prstGeom>
-          <a:noFill/>
-        </p:spPr>
-        <p:txBody>
-          <a:bodyPr wrap="none" rtlCol="0">
-            <a:spAutoFit/>
-          </a:bodyPr>
-          <a:lstStyle/>
-          <a:p>
-            <a:r>
-              <a:rPr lang="en-US" altLang="ko-KR" dirty="0" smtClean="0"/>
-              <a:t>[</a:t>
-            </a:r>
-            <a:r>
-              <a:rPr lang="ko-KR" altLang="en-US" dirty="0" err="1" smtClean="0"/>
-              <a:t>클라이드</a:t>
-            </a:r>
-            <a:r>
-              <a:rPr lang="en-US" altLang="ko-KR" dirty="0" smtClean="0"/>
-              <a:t>]</a:t>
             </a:r>
           </a:p>
           <a:p>
@@ -7304,15 +7316,74 @@
               <a:buChar char="-"/>
             </a:pPr>
             <a:r>
-              <a:rPr lang="ko-KR" altLang="en-US" dirty="0" smtClean="0"/>
+              <a:rPr lang="ko-KR" altLang="en-US" dirty="0"/>
+              <a:t>게임 시작 </a:t>
+            </a:r>
+            <a:r>
+              <a:rPr lang="en-US" altLang="ko-KR" dirty="0">
+                <a:solidFill>
+                  <a:srgbClr val="00B0F0"/>
+                </a:solidFill>
+              </a:rPr>
+              <a:t>20</a:t>
+            </a:r>
+            <a:r>
+              <a:rPr lang="ko-KR" altLang="en-US" dirty="0"/>
+              <a:t>초 후 움직인다</a:t>
+            </a:r>
+          </a:p>
+        </p:txBody>
+      </p:sp>
+      <p:sp>
+        <p:nvSpPr>
+          <p:cNvPr id="15" name="TextBox 14"/>
+          <p:cNvSpPr txBox="1"/>
+          <p:nvPr/>
+        </p:nvSpPr>
+        <p:spPr>
+          <a:xfrm>
+            <a:off x="7257933" y="4278801"/>
+            <a:ext cx="3227165" cy="1200329"/>
+          </a:xfrm>
+          <a:prstGeom prst="rect">
+            <a:avLst/>
+          </a:prstGeom>
+          <a:noFill/>
+        </p:spPr>
+        <p:txBody>
+          <a:bodyPr wrap="none" rtlCol="0">
+            <a:spAutoFit/>
+          </a:bodyPr>
+          <a:lstStyle/>
+          <a:p>
+            <a:r>
+              <a:rPr lang="en-US" altLang="ko-KR" dirty="0"/>
+              <a:t>[</a:t>
+            </a:r>
+            <a:r>
+              <a:rPr lang="ko-KR" altLang="en-US" dirty="0" err="1"/>
+              <a:t>클라이드</a:t>
+            </a:r>
+            <a:r>
+              <a:rPr lang="en-US" altLang="ko-KR" dirty="0"/>
+              <a:t>]</a:t>
+            </a:r>
+          </a:p>
+          <a:p>
+            <a:pPr marL="285750" indent="-285750">
+              <a:buFontTx/>
+              <a:buChar char="-"/>
+            </a:pPr>
+            <a:r>
+              <a:rPr lang="ko-KR" altLang="en-US" dirty="0"/>
               <a:t>아무 생각이 없다</a:t>
             </a:r>
             <a:r>
-              <a:rPr lang="en-US" altLang="ko-KR" dirty="0" smtClean="0"/>
+              <a:rPr lang="en-US" altLang="ko-KR" dirty="0"/>
               <a:t>(</a:t>
             </a:r>
             <a:r>
-              <a:rPr lang="ko-KR" altLang="en-US" dirty="0" smtClean="0">
+              <a:rPr lang="ko-KR" altLang="en-US" dirty="0">
                 <a:solidFill>
                   <a:srgbClr val="FF0000"/>
                 </a:solidFill>
@@ -7320,7 +7391,7 @@
               <a:t>랜덤</a:t>
             </a:r>
             <a:r>
-              <a:rPr lang="en-US" altLang="ko-KR" dirty="0" smtClean="0"/>
+              <a:rPr lang="en-US" altLang="ko-KR" dirty="0"/>
               <a:t>)</a:t>
             </a:r>
           </a:p>
@@ -7330,22 +7401,43 @@
               <a:buChar char="-"/>
             </a:pPr>
             <a:r>
-              <a:rPr lang="ko-KR" altLang="en-US" dirty="0" smtClean="0"/>
+              <a:rPr lang="ko-KR" altLang="en-US" dirty="0"/>
               <a:t>주눅 모드</a:t>
             </a:r>
             <a:r>
-              <a:rPr lang="en-US" altLang="ko-KR" dirty="0" smtClean="0"/>
+              <a:rPr lang="en-US" altLang="ko-KR" dirty="0"/>
               <a:t>(7</a:t>
             </a:r>
             <a:r>
-              <a:rPr lang="ko-KR" altLang="en-US" dirty="0" smtClean="0"/>
+              <a:rPr lang="ko-KR" altLang="en-US" dirty="0"/>
               <a:t>시 방향 도주</a:t>
             </a:r>
             <a:r>
-              <a:rPr lang="en-US" altLang="ko-KR" dirty="0" smtClean="0"/>
+              <a:rPr lang="en-US" altLang="ko-KR" dirty="0"/>
               <a:t>)</a:t>
             </a:r>
-            <a:endParaRPr lang="ko-KR" altLang="en-US" dirty="0"/>
+          </a:p>
+          <a:p>
+            <a:pPr marL="285750" indent="-285750">
+              <a:buFontTx/>
+              <a:buChar char="-"/>
+            </a:pPr>
+            <a:r>
+              <a:rPr lang="ko-KR" altLang="en-US" dirty="0"/>
+              <a:t>게임 시작 </a:t>
+            </a:r>
+            <a:r>
+              <a:rPr lang="en-US" altLang="ko-KR" dirty="0">
+                <a:solidFill>
+                  <a:srgbClr val="00B0F0"/>
+                </a:solidFill>
+              </a:rPr>
+              <a:t>20</a:t>
+            </a:r>
+            <a:r>
+              <a:rPr lang="ko-KR" altLang="en-US" dirty="0"/>
+              <a:t>초 후 움직인다</a:t>
+            </a:r>
           </a:p>
         </p:txBody>
       </p:sp>
@@ -7368,7 +7460,7 @@
               <a:rPr lang="ko-KR" altLang="en-US" smtClean="0"/>
               <a:t>15</a:t>
             </a:fld>
-            <a:endParaRPr lang="ko-KR" altLang="en-US"/>
+            <a:endParaRPr lang="ko-KR" altLang="en-US" dirty="0"/>
           </a:p>
         </p:txBody>
       </p:sp>
@@ -7418,10 +7510,9 @@
           <a:lstStyle/>
           <a:p>
             <a:r>
-              <a:rPr lang="ko-KR" altLang="en-US" dirty="0" smtClean="0"/>
+              <a:rPr lang="ko-KR" altLang="en-US" dirty="0"/>
               <a:t>유령 행동 상태</a:t>
             </a:r>
-            <a:endParaRPr lang="ko-KR" altLang="en-US" dirty="0"/>
           </a:p>
         </p:txBody>
       </p:sp>
@@ -7437,20 +7528,44 @@
         </p:nvSpPr>
         <p:spPr>
           <a:xfrm>
-            <a:off x="3782291" y="2277996"/>
-            <a:ext cx="7589520" cy="3424535"/>
-          </a:xfrm>
-        </p:spPr>
-        <p:txBody>
-          <a:bodyPr/>
-          <a:lstStyle/>
-          <a:p>
-            <a:r>
-              <a:rPr lang="en-US" altLang="ko-KR" dirty="0" smtClean="0"/>
+            <a:off x="3782291" y="1937858"/>
+            <a:ext cx="7589520" cy="4060270"/>
+          </a:xfrm>
+        </p:spPr>
+        <p:txBody>
+          <a:bodyPr>
+            <a:normAutofit lnSpcReduction="10000"/>
+          </a:bodyPr>
+          <a:lstStyle/>
+          <a:p>
+            <a:r>
+              <a:rPr lang="en-US" altLang="ko-KR" dirty="0"/>
               <a:t>1. </a:t>
             </a:r>
             <a:r>
-              <a:rPr lang="ko-KR" altLang="en-US" dirty="0" err="1" smtClean="0">
+              <a:rPr lang="ko-KR" altLang="en-US" dirty="0"/>
+              <a:t>대기</a:t>
+            </a:r>
+            <a:r>
+              <a:rPr lang="en-US" altLang="ko-KR" dirty="0"/>
+              <a:t>(Prepare)</a:t>
+            </a:r>
+          </a:p>
+          <a:p>
+            <a:pPr lvl="1"/>
+            <a:r>
+              <a:rPr lang="ko-KR" altLang="en-US" dirty="0"/>
+              <a:t>게임 시작 후 일정시간 동안 유령이 집에서 대기 하는 상태</a:t>
+            </a:r>
+            <a:endParaRPr lang="en-US" altLang="ko-KR" dirty="0"/>
+          </a:p>
+          <a:p>
+            <a:r>
+              <a:rPr lang="en-US" altLang="ko-KR" dirty="0"/>
+              <a:t>2. </a:t>
+            </a:r>
+            <a:r>
+              <a:rPr lang="ko-KR" altLang="en-US" dirty="0" err="1">
                 <a:solidFill>
                   <a:srgbClr val="FFFF00"/>
                 </a:solidFill>
@@ -7458,25 +7573,25 @@
               <a:t>노멀</a:t>
             </a:r>
             <a:r>
-              <a:rPr lang="en-US" altLang="ko-KR" dirty="0" smtClean="0"/>
+              <a:rPr lang="en-US" altLang="ko-KR" dirty="0"/>
               <a:t>(Normal)</a:t>
             </a:r>
           </a:p>
           <a:p>
             <a:pPr lvl="1"/>
             <a:r>
-              <a:rPr lang="ko-KR" altLang="en-US" dirty="0" smtClean="0"/>
+              <a:rPr lang="ko-KR" altLang="en-US" dirty="0"/>
               <a:t>평범한 상태</a:t>
             </a:r>
-            <a:endParaRPr lang="en-US" altLang="ko-KR" dirty="0" smtClean="0"/>
-          </a:p>
-          <a:p>
-            <a:r>
-              <a:rPr lang="en-US" altLang="ko-KR" dirty="0" smtClean="0"/>
-              <a:t>2. </a:t>
-            </a:r>
-            <a:r>
-              <a:rPr lang="ko-KR" altLang="en-US" dirty="0" smtClean="0">
+            <a:endParaRPr lang="en-US" altLang="ko-KR" dirty="0"/>
+          </a:p>
+          <a:p>
+            <a:r>
+              <a:rPr lang="en-US" altLang="ko-KR" dirty="0"/>
+              <a:t>3. </a:t>
+            </a:r>
+            <a:r>
+              <a:rPr lang="ko-KR" altLang="en-US" dirty="0">
                 <a:solidFill>
                   <a:srgbClr val="FF0000"/>
                 </a:solidFill>
@@ -7484,33 +7599,33 @@
               <a:t>추적</a:t>
             </a:r>
             <a:r>
-              <a:rPr lang="en-US" altLang="ko-KR" dirty="0" smtClean="0"/>
+              <a:rPr lang="en-US" altLang="ko-KR" dirty="0"/>
               <a:t>(Tracking)</a:t>
             </a:r>
           </a:p>
           <a:p>
             <a:pPr lvl="1"/>
             <a:r>
-              <a:rPr lang="ko-KR" altLang="en-US" dirty="0" smtClean="0"/>
+              <a:rPr lang="ko-KR" altLang="en-US" dirty="0"/>
               <a:t>플레이어를 잡기 위해 바로 쫓음</a:t>
             </a:r>
-            <a:endParaRPr lang="en-US" altLang="ko-KR" dirty="0" smtClean="0"/>
+            <a:endParaRPr lang="en-US" altLang="ko-KR" dirty="0"/>
           </a:p>
           <a:p>
             <a:pPr lvl="1"/>
             <a:r>
-              <a:rPr lang="ko-KR" altLang="en-US" dirty="0" smtClean="0"/>
+              <a:rPr lang="ko-KR" altLang="en-US" dirty="0"/>
               <a:t>워프 게이트 사용</a:t>
             </a:r>
             <a:endParaRPr lang="en-US" altLang="ko-KR" dirty="0"/>
           </a:p>
           <a:p>
             <a:r>
-              <a:rPr lang="en-US" altLang="ko-KR" dirty="0" smtClean="0"/>
-              <a:t>3. </a:t>
-            </a:r>
-            <a:r>
-              <a:rPr lang="ko-KR" altLang="en-US" dirty="0" smtClean="0">
+              <a:rPr lang="en-US" altLang="ko-KR" dirty="0"/>
+              <a:t>4. </a:t>
+            </a:r>
+            <a:r>
+              <a:rPr lang="ko-KR" altLang="en-US" dirty="0">
                 <a:solidFill>
                   <a:srgbClr val="0070C0"/>
                 </a:solidFill>
@@ -7518,25 +7633,25 @@
               <a:t>주눅</a:t>
             </a:r>
             <a:r>
-              <a:rPr lang="en-US" altLang="ko-KR" dirty="0" smtClean="0"/>
+              <a:rPr lang="en-US" altLang="ko-KR" dirty="0"/>
               <a:t>(Timid)</a:t>
             </a:r>
           </a:p>
           <a:p>
             <a:pPr lvl="1"/>
             <a:r>
-              <a:rPr lang="ko-KR" altLang="en-US" dirty="0" smtClean="0"/>
+              <a:rPr lang="ko-KR" altLang="en-US" dirty="0"/>
               <a:t>플레이어를 피해 흩어짐</a:t>
             </a:r>
-            <a:endParaRPr lang="en-US" altLang="ko-KR" dirty="0" smtClean="0"/>
-          </a:p>
-          <a:p>
-            <a:r>
-              <a:rPr lang="en-US" altLang="ko-KR" dirty="0" smtClean="0"/>
-              <a:t>4. </a:t>
-            </a:r>
-            <a:r>
-              <a:rPr lang="ko-KR" altLang="en-US" dirty="0" smtClean="0">
+            <a:endParaRPr lang="en-US" altLang="ko-KR" dirty="0"/>
+          </a:p>
+          <a:p>
+            <a:r>
+              <a:rPr lang="en-US" altLang="ko-KR" dirty="0"/>
+              <a:t>5. </a:t>
+            </a:r>
+            <a:r>
+              <a:rPr lang="ko-KR" altLang="en-US" dirty="0">
                 <a:solidFill>
                   <a:srgbClr val="00B050"/>
                 </a:solidFill>
@@ -7544,14 +7659,14 @@
               <a:t>복귀</a:t>
             </a:r>
             <a:r>
-              <a:rPr lang="en-US" altLang="ko-KR" dirty="0" smtClean="0"/>
+              <a:rPr lang="en-US" altLang="ko-KR" dirty="0"/>
               <a:t>(Retreat)</a:t>
             </a:r>
           </a:p>
           <a:p>
             <a:pPr lvl="1"/>
             <a:r>
-              <a:rPr lang="ko-KR" altLang="en-US" dirty="0" smtClean="0">
+              <a:rPr lang="ko-KR" altLang="en-US" dirty="0">
                 <a:solidFill>
                   <a:srgbClr val="0070C0"/>
                 </a:solidFill>
@@ -7559,18 +7674,17 @@
               <a:t>주눅</a:t>
             </a:r>
             <a:r>
-              <a:rPr lang="ko-KR" altLang="en-US" dirty="0" smtClean="0"/>
+              <a:rPr lang="ko-KR" altLang="en-US" dirty="0"/>
               <a:t> 상태에서 </a:t>
             </a:r>
             <a:r>
-              <a:rPr lang="ko-KR" altLang="en-US" dirty="0" err="1" smtClean="0"/>
+              <a:rPr lang="ko-KR" altLang="en-US" dirty="0" err="1"/>
               <a:t>팩맨에게</a:t>
             </a:r>
             <a:r>
-              <a:rPr lang="ko-KR" altLang="en-US" dirty="0" smtClean="0"/>
+              <a:rPr lang="ko-KR" altLang="en-US" dirty="0"/>
               <a:t> 당하면 집으로 복귀</a:t>
             </a:r>
-            <a:endParaRPr lang="ko-KR" altLang="en-US" dirty="0"/>
           </a:p>
         </p:txBody>
       </p:sp>
@@ -7733,10 +7847,9 @@
           <a:lstStyle/>
           <a:p>
             <a:r>
-              <a:rPr lang="ko-KR" altLang="en-US" dirty="0" smtClean="0"/>
+              <a:rPr lang="ko-KR" altLang="en-US" dirty="0"/>
               <a:t>이동 경로 디버그</a:t>
             </a:r>
-            <a:endParaRPr lang="ko-KR" altLang="en-US" dirty="0"/>
           </a:p>
         </p:txBody>
       </p:sp>
@@ -7792,11 +7905,11 @@
           <a:lstStyle/>
           <a:p>
             <a:r>
-              <a:rPr lang="en-US" altLang="ko-KR" dirty="0" smtClean="0"/>
+              <a:rPr lang="en-US" altLang="ko-KR" dirty="0"/>
               <a:t>&lt; </a:t>
             </a:r>
             <a:r>
-              <a:rPr lang="en-US" altLang="ko-KR" dirty="0" smtClean="0">
+              <a:rPr lang="en-US" altLang="ko-KR" dirty="0">
                 <a:solidFill>
                   <a:srgbClr val="0070C0"/>
                 </a:solidFill>
@@ -7804,11 +7917,11 @@
               <a:t>Gizmo</a:t>
             </a:r>
             <a:r>
-              <a:rPr lang="ko-KR" altLang="en-US" dirty="0" smtClean="0"/>
+              <a:rPr lang="ko-KR" altLang="en-US" dirty="0"/>
               <a:t>를 사용해 유령의 이동 방향 확인 가능 </a:t>
             </a:r>
             <a:r>
-              <a:rPr lang="en-US" altLang="ko-KR" dirty="0" smtClean="0"/>
+              <a:rPr lang="en-US" altLang="ko-KR" dirty="0"/>
               <a:t>&gt;</a:t>
             </a:r>
             <a:endParaRPr lang="ko-KR" altLang="en-US" dirty="0"/>
@@ -7884,10 +7997,9 @@
           <a:lstStyle/>
           <a:p>
             <a:r>
-              <a:rPr lang="ko-KR" altLang="en-US" dirty="0" smtClean="0"/>
+              <a:rPr lang="ko-KR" altLang="en-US" dirty="0"/>
               <a:t>스테이지 리스트</a:t>
             </a:r>
-            <a:endParaRPr lang="ko-KR" altLang="en-US" dirty="0"/>
           </a:p>
         </p:txBody>
       </p:sp>
@@ -7945,14 +8057,14 @@
               <a:buChar char="ü"/>
             </a:pPr>
             <a:r>
-              <a:rPr lang="en-US" altLang="ko-KR" dirty="0" smtClean="0"/>
+              <a:rPr lang="en-US" altLang="ko-KR" dirty="0"/>
               <a:t>JSON</a:t>
             </a:r>
             <a:r>
-              <a:rPr lang="ko-KR" altLang="en-US" dirty="0" smtClean="0"/>
+              <a:rPr lang="ko-KR" altLang="en-US" dirty="0"/>
               <a:t>으로 스테이지 데이터를 읽어 들인다</a:t>
             </a:r>
-            <a:endParaRPr lang="en-US" altLang="ko-KR" dirty="0" smtClean="0"/>
+            <a:endParaRPr lang="en-US" altLang="ko-KR" dirty="0"/>
           </a:p>
           <a:p>
             <a:pPr marL="342900" indent="-342900">
@@ -7963,22 +8075,22 @@
               <a:buChar char="ü"/>
             </a:pPr>
             <a:r>
-              <a:rPr lang="en-US" altLang="ko-KR" dirty="0" err="1" smtClean="0"/>
+              <a:rPr lang="en-US" altLang="ko-KR" dirty="0" err="1"/>
               <a:t>StageManager</a:t>
             </a:r>
             <a:r>
-              <a:rPr lang="ko-KR" altLang="en-US" dirty="0" smtClean="0"/>
+              <a:rPr lang="ko-KR" altLang="en-US" dirty="0"/>
               <a:t>에서 </a:t>
             </a:r>
             <a:r>
-              <a:rPr lang="en-US" altLang="ko-KR" dirty="0" smtClean="0"/>
+              <a:rPr lang="en-US" altLang="ko-KR" dirty="0"/>
               <a:t>List</a:t>
             </a:r>
             <a:r>
-              <a:rPr lang="ko-KR" altLang="en-US" dirty="0" smtClean="0"/>
+              <a:rPr lang="ko-KR" altLang="en-US" dirty="0"/>
               <a:t>로 관리</a:t>
             </a:r>
-            <a:endParaRPr lang="en-US" altLang="ko-KR" dirty="0" smtClean="0"/>
+            <a:endParaRPr lang="en-US" altLang="ko-KR" dirty="0"/>
           </a:p>
         </p:txBody>
       </p:sp>
@@ -8051,10 +8163,9 @@
           <a:lstStyle/>
           <a:p>
             <a:r>
-              <a:rPr lang="ko-KR" altLang="en-US" dirty="0" smtClean="0"/>
+              <a:rPr lang="ko-KR" altLang="en-US" dirty="0"/>
               <a:t>스테이지 매니저</a:t>
             </a:r>
-            <a:endParaRPr lang="ko-KR" altLang="en-US" dirty="0"/>
           </a:p>
         </p:txBody>
       </p:sp>
@@ -8081,7 +8192,7 @@
               </a:lnSpc>
             </a:pPr>
             <a:r>
-              <a:rPr lang="en-US" altLang="ko-KR" dirty="0" smtClean="0">
+              <a:rPr lang="en-US" altLang="ko-KR" dirty="0">
                 <a:solidFill>
                   <a:srgbClr val="00B050"/>
                 </a:solidFill>
@@ -8089,14 +8200,14 @@
               <a:t>Singleton</a:t>
             </a:r>
             <a:r>
-              <a:rPr lang="en-US" altLang="ko-KR" dirty="0" smtClean="0"/>
+              <a:rPr lang="en-US" altLang="ko-KR" dirty="0"/>
               <a:t> </a:t>
             </a:r>
             <a:r>
-              <a:rPr lang="ko-KR" altLang="en-US" dirty="0" smtClean="0"/>
+              <a:rPr lang="ko-KR" altLang="en-US" dirty="0"/>
               <a:t>클래스</a:t>
             </a:r>
-            <a:endParaRPr lang="en-US" altLang="ko-KR" dirty="0" smtClean="0"/>
+            <a:endParaRPr lang="en-US" altLang="ko-KR" dirty="0"/>
           </a:p>
           <a:p>
             <a:pPr lvl="1">
@@ -8106,13 +8217,9 @@
             </a:pPr>
             <a:r>
               <a:rPr lang="ko-KR" altLang="en-US" dirty="0"/>
-              <a:t>현재 게임 상태 </a:t>
-            </a:r>
-            <a:r>
-              <a:rPr lang="ko-KR" altLang="en-US" dirty="0" smtClean="0"/>
-              <a:t>관리</a:t>
-            </a:r>
-            <a:endParaRPr lang="en-US" altLang="ko-KR" dirty="0" smtClean="0"/>
+              <a:t>현재 게임 상태 관리</a:t>
+            </a:r>
+            <a:endParaRPr lang="en-US" altLang="ko-KR" dirty="0"/>
           </a:p>
           <a:p>
             <a:pPr lvl="1">
@@ -8122,13 +8229,9 @@
             </a:pPr>
             <a:r>
               <a:rPr lang="ko-KR" altLang="en-US" dirty="0"/>
-              <a:t>현재 스테이지 정보를 가지고 </a:t>
-            </a:r>
-            <a:r>
-              <a:rPr lang="ko-KR" altLang="en-US" dirty="0" smtClean="0"/>
-              <a:t>있음</a:t>
-            </a:r>
-            <a:endParaRPr lang="en-US" altLang="ko-KR" dirty="0" smtClean="0"/>
+              <a:t>현재 스테이지 정보를 가지고 있음</a:t>
+            </a:r>
+            <a:endParaRPr lang="en-US" altLang="ko-KR" dirty="0"/>
           </a:p>
           <a:p>
             <a:pPr lvl="1">
@@ -8137,26 +8240,26 @@
               </a:lnSpc>
             </a:pPr>
             <a:r>
-              <a:rPr lang="ko-KR" altLang="en-US" dirty="0" smtClean="0"/>
+              <a:rPr lang="ko-KR" altLang="en-US" dirty="0"/>
               <a:t>연속된 스테이지 진행을 위해 </a:t>
             </a:r>
             <a:r>
-              <a:rPr lang="ko-KR" altLang="en-US" dirty="0" err="1" smtClean="0"/>
+              <a:rPr lang="ko-KR" altLang="en-US" dirty="0" err="1"/>
               <a:t>씬이</a:t>
             </a:r>
             <a:r>
-              <a:rPr lang="ko-KR" altLang="en-US" dirty="0" smtClean="0"/>
+              <a:rPr lang="ko-KR" altLang="en-US" dirty="0"/>
               <a:t> 로딩되어도 </a:t>
             </a:r>
             <a:r>
-              <a:rPr lang="ko-KR" altLang="en-US" dirty="0" smtClean="0">
+              <a:rPr lang="ko-KR" altLang="en-US" dirty="0">
                 <a:solidFill>
                   <a:srgbClr val="FF0000"/>
                 </a:solidFill>
               </a:rPr>
               <a:t>삭제하지 않음</a:t>
             </a:r>
-            <a:endParaRPr lang="en-US" altLang="ko-KR" dirty="0" smtClean="0">
+            <a:endParaRPr lang="en-US" altLang="ko-KR" dirty="0">
               <a:solidFill>
                 <a:srgbClr val="FF0000"/>
               </a:solidFill>
@@ -8169,19 +8272,19 @@
               </a:lnSpc>
             </a:pPr>
             <a:r>
-              <a:rPr lang="ko-KR" altLang="en-US" dirty="0" smtClean="0"/>
+              <a:rPr lang="ko-KR" altLang="en-US" dirty="0"/>
               <a:t>스테이지 정보에서 </a:t>
             </a:r>
             <a:r>
-              <a:rPr lang="ko-KR" altLang="en-US" dirty="0" err="1" smtClean="0"/>
+              <a:rPr lang="ko-KR" altLang="en-US" dirty="0" err="1"/>
               <a:t>팩맨과</a:t>
             </a:r>
             <a:r>
-              <a:rPr lang="ko-KR" altLang="en-US" dirty="0" smtClean="0"/>
+              <a:rPr lang="ko-KR" altLang="en-US" dirty="0"/>
               <a:t> 유령의 시작 위치를 읽어와 </a:t>
             </a:r>
             <a:r>
-              <a:rPr lang="en-US" altLang="ko-KR" dirty="0" smtClean="0"/>
+              <a:rPr lang="en-US" altLang="ko-KR" dirty="0"/>
               <a:t>Instantiate</a:t>
             </a:r>
           </a:p>
@@ -8192,10 +8295,9 @@
               </a:lnSpc>
             </a:pPr>
             <a:r>
-              <a:rPr lang="ko-KR" altLang="en-US" dirty="0" smtClean="0"/>
+              <a:rPr lang="ko-KR" altLang="en-US" dirty="0"/>
               <a:t>먹은 과일 리스트 관리</a:t>
             </a:r>
-            <a:endParaRPr lang="ko-KR" altLang="en-US" dirty="0"/>
           </a:p>
         </p:txBody>
       </p:sp>
@@ -8246,19 +8348,19 @@
           <a:lstStyle/>
           <a:p>
             <a:r>
-              <a:rPr lang="en-US" altLang="ko-KR" dirty="0" smtClean="0"/>
+              <a:rPr lang="en-US" altLang="ko-KR" dirty="0"/>
               <a:t>&lt;</a:t>
             </a:r>
             <a:r>
-              <a:rPr lang="ko-KR" altLang="en-US" dirty="0" smtClean="0"/>
+              <a:rPr lang="ko-KR" altLang="en-US" dirty="0"/>
               <a:t>게임 상태 </a:t>
             </a:r>
             <a:r>
-              <a:rPr lang="en-US" altLang="ko-KR" dirty="0" err="1" smtClean="0"/>
+              <a:rPr lang="en-US" altLang="ko-KR" dirty="0" err="1"/>
               <a:t>Enum</a:t>
             </a:r>
             <a:r>
-              <a:rPr lang="en-US" altLang="ko-KR" dirty="0" smtClean="0"/>
+              <a:rPr lang="en-US" altLang="ko-KR" dirty="0"/>
               <a:t>&gt;</a:t>
             </a:r>
             <a:endParaRPr lang="ko-KR" altLang="en-US" dirty="0"/>
@@ -8547,13 +8649,6 @@
   <p:clrMapOvr>
     <a:masterClrMapping/>
   </p:clrMapOvr>
-  <p:timing>
-    <p:tnLst>
-      <p:par>
-        <p:cTn id="1" dur="indefinite" restart="never" nodeType="tmRoot"/>
-      </p:par>
-    </p:tnLst>
-  </p:timing>
 </p:sld>
 </file>
 
@@ -8590,10 +8685,9 @@
           <a:lstStyle/>
           <a:p>
             <a:r>
-              <a:rPr lang="ko-KR" altLang="en-US" dirty="0" smtClean="0"/>
+              <a:rPr lang="ko-KR" altLang="en-US" dirty="0"/>
               <a:t>맵 에디터</a:t>
             </a:r>
-            <a:endParaRPr lang="ko-KR" altLang="en-US" dirty="0"/>
           </a:p>
         </p:txBody>
       </p:sp>
@@ -8625,22 +8719,22 @@
               <a:buChar char="Ø"/>
             </a:pPr>
             <a:r>
-              <a:rPr lang="en-US" altLang="ko-KR" dirty="0" smtClean="0"/>
+              <a:rPr lang="en-US" altLang="ko-KR" dirty="0"/>
               <a:t> </a:t>
             </a:r>
             <a:r>
-              <a:rPr lang="ko-KR" altLang="en-US" dirty="0" smtClean="0"/>
+              <a:rPr lang="ko-KR" altLang="en-US" dirty="0"/>
               <a:t>별도의 </a:t>
             </a:r>
             <a:r>
-              <a:rPr lang="ko-KR" altLang="en-US" dirty="0" err="1" smtClean="0"/>
+              <a:rPr lang="ko-KR" altLang="en-US" dirty="0" err="1"/>
               <a:t>씬에서</a:t>
             </a:r>
             <a:r>
-              <a:rPr lang="ko-KR" altLang="en-US" dirty="0" smtClean="0"/>
+              <a:rPr lang="ko-KR" altLang="en-US" dirty="0"/>
               <a:t> 에디터로 맵 편집</a:t>
             </a:r>
-            <a:endParaRPr lang="en-US" altLang="ko-KR" dirty="0" smtClean="0"/>
+            <a:endParaRPr lang="en-US" altLang="ko-KR" dirty="0"/>
           </a:p>
           <a:p>
             <a:pPr>
@@ -8655,26 +8749,26 @@
               <a:t> </a:t>
             </a:r>
             <a:r>
-              <a:rPr lang="ko-KR" altLang="en-US" dirty="0" smtClean="0"/>
+              <a:rPr lang="ko-KR" altLang="en-US" dirty="0"/>
               <a:t>새로 만들기</a:t>
             </a:r>
             <a:r>
-              <a:rPr lang="en-US" altLang="ko-KR" dirty="0" smtClean="0"/>
+              <a:rPr lang="en-US" altLang="ko-KR" dirty="0"/>
               <a:t>, </a:t>
             </a:r>
             <a:r>
-              <a:rPr lang="ko-KR" altLang="en-US" dirty="0" smtClean="0"/>
+              <a:rPr lang="ko-KR" altLang="en-US" dirty="0"/>
               <a:t>불러오기</a:t>
             </a:r>
             <a:r>
-              <a:rPr lang="en-US" altLang="ko-KR" dirty="0" smtClean="0"/>
+              <a:rPr lang="en-US" altLang="ko-KR" dirty="0"/>
               <a:t>, </a:t>
             </a:r>
             <a:r>
-              <a:rPr lang="ko-KR" altLang="en-US" dirty="0" smtClean="0"/>
+              <a:rPr lang="ko-KR" altLang="en-US" dirty="0"/>
               <a:t>저장 가능</a:t>
             </a:r>
-            <a:endParaRPr lang="en-US" altLang="ko-KR" dirty="0" smtClean="0"/>
+            <a:endParaRPr lang="en-US" altLang="ko-KR" dirty="0"/>
           </a:p>
           <a:p>
             <a:pPr>
@@ -8689,10 +8783,10 @@
               <a:t> </a:t>
             </a:r>
             <a:r>
-              <a:rPr lang="ko-KR" altLang="en-US" dirty="0" smtClean="0"/>
+              <a:rPr lang="ko-KR" altLang="en-US" dirty="0"/>
               <a:t>워프 게이트 등 게임 오브젝트 생성</a:t>
             </a:r>
-            <a:endParaRPr lang="en-US" altLang="ko-KR" dirty="0" smtClean="0"/>
+            <a:endParaRPr lang="en-US" altLang="ko-KR" dirty="0"/>
           </a:p>
           <a:p>
             <a:pPr>
@@ -8707,18 +8801,17 @@
               <a:t> </a:t>
             </a:r>
             <a:r>
-              <a:rPr lang="ko-KR" altLang="en-US" dirty="0" smtClean="0"/>
+              <a:rPr lang="ko-KR" altLang="en-US" dirty="0"/>
               <a:t>만들어진 맵 리스트를 </a:t>
             </a:r>
             <a:r>
-              <a:rPr lang="en-US" altLang="ko-KR" dirty="0" smtClean="0"/>
+              <a:rPr lang="en-US" altLang="ko-KR" dirty="0"/>
               <a:t>JSON</a:t>
             </a:r>
             <a:r>
-              <a:rPr lang="ko-KR" altLang="en-US" dirty="0" smtClean="0"/>
+              <a:rPr lang="ko-KR" altLang="en-US" dirty="0"/>
               <a:t>으로 추출</a:t>
             </a:r>
-            <a:endParaRPr lang="ko-KR" altLang="en-US" dirty="0"/>
           </a:p>
         </p:txBody>
       </p:sp>
@@ -8815,10 +8908,9 @@
           <a:lstStyle/>
           <a:p>
             <a:r>
-              <a:rPr lang="ko-KR" altLang="en-US" dirty="0" smtClean="0"/>
+              <a:rPr lang="ko-KR" altLang="en-US" dirty="0"/>
               <a:t>타일 맵</a:t>
             </a:r>
-            <a:endParaRPr lang="ko-KR" altLang="en-US" dirty="0"/>
           </a:p>
         </p:txBody>
       </p:sp>
@@ -8965,10 +9057,9 @@
           <a:lstStyle/>
           <a:p>
             <a:r>
-              <a:rPr lang="ko-KR" altLang="en-US" dirty="0" smtClean="0"/>
+              <a:rPr lang="ko-KR" altLang="en-US" dirty="0"/>
               <a:t>타일 맵</a:t>
             </a:r>
-            <a:endParaRPr lang="ko-KR" altLang="en-US" dirty="0"/>
           </a:p>
         </p:txBody>
       </p:sp>
@@ -9045,15 +9136,15 @@
           <a:lstStyle/>
           <a:p>
             <a:r>
-              <a:rPr lang="en-US" altLang="ko-KR" dirty="0" smtClean="0"/>
+              <a:rPr lang="en-US" altLang="ko-KR" dirty="0"/>
               <a:t>&lt; </a:t>
             </a:r>
             <a:r>
-              <a:rPr lang="ko-KR" altLang="en-US" dirty="0" smtClean="0"/>
+              <a:rPr lang="ko-KR" altLang="en-US" dirty="0"/>
               <a:t>음식 타일만 </a:t>
             </a:r>
             <a:r>
-              <a:rPr lang="en-US" altLang="ko-KR" dirty="0" smtClean="0"/>
+              <a:rPr lang="en-US" altLang="ko-KR" dirty="0"/>
               <a:t>Active &gt;</a:t>
             </a:r>
             <a:endParaRPr lang="ko-KR" altLang="en-US" dirty="0"/>
@@ -9083,15 +9174,15 @@
           <a:lstStyle/>
           <a:p>
             <a:r>
-              <a:rPr lang="en-US" altLang="ko-KR" dirty="0" smtClean="0"/>
+              <a:rPr lang="en-US" altLang="ko-KR" dirty="0"/>
               <a:t>&lt; </a:t>
             </a:r>
             <a:r>
-              <a:rPr lang="ko-KR" altLang="en-US" dirty="0" smtClean="0"/>
+              <a:rPr lang="ko-KR" altLang="en-US" dirty="0"/>
               <a:t>벽 타일만 </a:t>
             </a:r>
             <a:r>
-              <a:rPr lang="en-US" altLang="ko-KR" dirty="0" smtClean="0"/>
+              <a:rPr lang="en-US" altLang="ko-KR" dirty="0"/>
               <a:t>Active &gt;</a:t>
             </a:r>
             <a:endParaRPr lang="ko-KR" altLang="en-US" dirty="0"/>
@@ -9167,22 +9258,21 @@
           <a:lstStyle/>
           <a:p>
             <a:r>
-              <a:rPr lang="en-US" altLang="ko-KR" dirty="0" smtClean="0"/>
+              <a:rPr lang="en-US" altLang="ko-KR" dirty="0"/>
               <a:t>Rule(</a:t>
             </a:r>
             <a:r>
-              <a:rPr lang="ko-KR" altLang="en-US" dirty="0" smtClean="0"/>
+              <a:rPr lang="ko-KR" altLang="en-US" dirty="0"/>
               <a:t>규칙</a:t>
             </a:r>
             <a:r>
-              <a:rPr lang="en-US" altLang="ko-KR" dirty="0" smtClean="0"/>
+              <a:rPr lang="en-US" altLang="ko-KR" dirty="0"/>
               <a:t>) </a:t>
             </a:r>
             <a:r>
-              <a:rPr lang="ko-KR" altLang="en-US" dirty="0" smtClean="0"/>
+              <a:rPr lang="ko-KR" altLang="en-US" dirty="0"/>
               <a:t>타일</a:t>
             </a:r>
-            <a:endParaRPr lang="ko-KR" altLang="en-US" dirty="0"/>
           </a:p>
         </p:txBody>
       </p:sp>
@@ -9248,13 +9338,6 @@
   <p:clrMapOvr>
     <a:masterClrMapping/>
   </p:clrMapOvr>
-  <p:timing>
-    <p:tnLst>
-      <p:par>
-        <p:cTn id="1" dur="indefinite" restart="never" nodeType="tmRoot"/>
-      </p:par>
-    </p:tnLst>
-  </p:timing>
 </p:sld>
 </file>
 
@@ -9291,15 +9374,15 @@
           <a:lstStyle/>
           <a:p>
             <a:r>
-              <a:rPr lang="ko-KR" altLang="en-US" dirty="0" err="1" smtClean="0"/>
+              <a:rPr lang="ko-KR" altLang="en-US" dirty="0" err="1"/>
               <a:t>커스텀</a:t>
             </a:r>
             <a:r>
-              <a:rPr lang="ko-KR" altLang="en-US" dirty="0" smtClean="0"/>
+              <a:rPr lang="ko-KR" altLang="en-US" dirty="0"/>
               <a:t> </a:t>
             </a:r>
             <a:r>
-              <a:rPr lang="ko-KR" altLang="en-US" dirty="0" err="1" smtClean="0"/>
+              <a:rPr lang="ko-KR" altLang="en-US" dirty="0" err="1"/>
               <a:t>인스펙터</a:t>
             </a:r>
             <a:endParaRPr lang="ko-KR" altLang="en-US" dirty="0"/>
@@ -9353,11 +9436,11 @@
           <a:lstStyle/>
           <a:p>
             <a:r>
-              <a:rPr lang="en-US" altLang="ko-KR" dirty="0" smtClean="0"/>
+              <a:rPr lang="en-US" altLang="ko-KR" dirty="0"/>
               <a:t>[</a:t>
             </a:r>
             <a:r>
-              <a:rPr lang="en-US" altLang="ko-KR" dirty="0" err="1" smtClean="0">
+              <a:rPr lang="en-US" altLang="ko-KR" dirty="0" err="1">
                 <a:solidFill>
                   <a:srgbClr val="FFFF00"/>
                 </a:solidFill>
@@ -9365,11 +9448,11 @@
               <a:t>StageGenerator</a:t>
             </a:r>
             <a:r>
-              <a:rPr lang="en-US" altLang="ko-KR" dirty="0" err="1" smtClean="0"/>
+              <a:rPr lang="en-US" altLang="ko-KR" dirty="0" err="1"/>
               <a:t>.cs</a:t>
             </a:r>
             <a:r>
-              <a:rPr lang="en-US" altLang="ko-KR" dirty="0" smtClean="0"/>
+              <a:rPr lang="en-US" altLang="ko-KR" dirty="0"/>
               <a:t>] </a:t>
             </a:r>
           </a:p>
@@ -9379,18 +9462,17 @@
               <a:buChar char="•"/>
             </a:pPr>
             <a:r>
-              <a:rPr lang="en-US" altLang="ko-KR" dirty="0" err="1" smtClean="0"/>
+              <a:rPr lang="en-US" altLang="ko-KR" dirty="0" err="1"/>
               <a:t>MonoBehavior</a:t>
             </a:r>
             <a:r>
-              <a:rPr lang="en-US" altLang="ko-KR" dirty="0" smtClean="0"/>
+              <a:rPr lang="en-US" altLang="ko-KR" dirty="0"/>
               <a:t> </a:t>
             </a:r>
             <a:r>
-              <a:rPr lang="ko-KR" altLang="en-US" dirty="0" smtClean="0"/>
+              <a:rPr lang="ko-KR" altLang="en-US" dirty="0"/>
               <a:t>상속</a:t>
             </a:r>
-            <a:endParaRPr lang="ko-KR" altLang="en-US" dirty="0"/>
           </a:p>
         </p:txBody>
       </p:sp>
@@ -9417,11 +9499,11 @@
           <a:lstStyle/>
           <a:p>
             <a:r>
-              <a:rPr lang="en-US" altLang="ko-KR" dirty="0" smtClean="0"/>
+              <a:rPr lang="en-US" altLang="ko-KR" dirty="0"/>
               <a:t>[</a:t>
             </a:r>
             <a:r>
-              <a:rPr lang="en-US" altLang="ko-KR" dirty="0" err="1" smtClean="0">
+              <a:rPr lang="en-US" altLang="ko-KR" dirty="0" err="1">
                 <a:solidFill>
                   <a:srgbClr val="FFFF00"/>
                 </a:solidFill>
@@ -9429,11 +9511,11 @@
               <a:t>StageIOButton</a:t>
             </a:r>
             <a:r>
-              <a:rPr lang="en-US" altLang="ko-KR" dirty="0" err="1" smtClean="0"/>
+              <a:rPr lang="en-US" altLang="ko-KR" dirty="0" err="1"/>
               <a:t>.cs</a:t>
             </a:r>
             <a:r>
-              <a:rPr lang="en-US" altLang="ko-KR" dirty="0" smtClean="0"/>
+              <a:rPr lang="en-US" altLang="ko-KR" dirty="0"/>
               <a:t>]</a:t>
             </a:r>
           </a:p>
@@ -9443,14 +9525,14 @@
               <a:buChar char="•"/>
             </a:pPr>
             <a:r>
-              <a:rPr lang="en-US" altLang="ko-KR" dirty="0" smtClean="0"/>
+              <a:rPr lang="en-US" altLang="ko-KR" dirty="0"/>
               <a:t>Editor </a:t>
             </a:r>
             <a:r>
-              <a:rPr lang="ko-KR" altLang="en-US" dirty="0" smtClean="0"/>
+              <a:rPr lang="ko-KR" altLang="en-US" dirty="0"/>
               <a:t>상속</a:t>
             </a:r>
-            <a:endParaRPr lang="en-US" altLang="ko-KR" dirty="0" smtClean="0"/>
+            <a:endParaRPr lang="en-US" altLang="ko-KR" dirty="0"/>
           </a:p>
           <a:p>
             <a:pPr marL="285750" indent="-285750">
@@ -9462,11 +9544,11 @@
               <a:t>OnInspectorGUI</a:t>
             </a:r>
             <a:r>
-              <a:rPr lang="en-US" altLang="ko-KR" dirty="0" smtClean="0"/>
+              <a:rPr lang="en-US" altLang="ko-KR" dirty="0"/>
               <a:t>() </a:t>
             </a:r>
             <a:r>
-              <a:rPr lang="ko-KR" altLang="en-US" dirty="0" err="1" smtClean="0"/>
+              <a:rPr lang="ko-KR" altLang="en-US" dirty="0" err="1"/>
               <a:t>오버라이드</a:t>
             </a:r>
             <a:endParaRPr lang="ko-KR" altLang="en-US" dirty="0"/>
@@ -9644,10 +9726,9 @@
           <a:lstStyle/>
           <a:p>
             <a:r>
-              <a:rPr lang="ko-KR" altLang="en-US" dirty="0" smtClean="0"/>
+              <a:rPr lang="ko-KR" altLang="en-US" dirty="0"/>
               <a:t>워프 게이트</a:t>
             </a:r>
-            <a:endParaRPr lang="ko-KR" altLang="en-US" dirty="0"/>
           </a:p>
         </p:txBody>
       </p:sp>
@@ -9681,26 +9762,26 @@
               <a:buChar char="Ø"/>
             </a:pPr>
             <a:r>
-              <a:rPr lang="en-US" altLang="ko-KR" dirty="0" smtClean="0"/>
+              <a:rPr lang="en-US" altLang="ko-KR" dirty="0"/>
               <a:t> </a:t>
             </a:r>
             <a:r>
-              <a:rPr lang="ko-KR" altLang="en-US" dirty="0" err="1" smtClean="0"/>
+              <a:rPr lang="ko-KR" altLang="en-US" dirty="0" err="1"/>
               <a:t>커스텀</a:t>
             </a:r>
             <a:r>
-              <a:rPr lang="ko-KR" altLang="en-US" dirty="0" smtClean="0"/>
+              <a:rPr lang="ko-KR" altLang="en-US" dirty="0"/>
               <a:t> </a:t>
             </a:r>
             <a:r>
-              <a:rPr lang="ko-KR" altLang="en-US" dirty="0" err="1" smtClean="0"/>
+              <a:rPr lang="ko-KR" altLang="en-US" dirty="0" err="1"/>
               <a:t>인스펙터로</a:t>
             </a:r>
             <a:r>
-              <a:rPr lang="ko-KR" altLang="en-US" dirty="0" smtClean="0"/>
+              <a:rPr lang="ko-KR" altLang="en-US" dirty="0"/>
               <a:t> 워프 게이트 생성</a:t>
             </a:r>
-            <a:endParaRPr lang="en-US" altLang="ko-KR" dirty="0" smtClean="0"/>
+            <a:endParaRPr lang="en-US" altLang="ko-KR" dirty="0"/>
           </a:p>
           <a:p>
             <a:pPr>
@@ -9715,37 +9796,29 @@
               <a:t> </a:t>
             </a:r>
             <a:r>
-              <a:rPr lang="ko-KR" altLang="en-US" dirty="0" smtClean="0"/>
+              <a:rPr lang="ko-KR" altLang="en-US" dirty="0"/>
               <a:t>생성된 워프게이트는 </a:t>
             </a:r>
             <a:r>
-              <a:rPr lang="en-US" altLang="ko-KR" dirty="0" smtClean="0"/>
+              <a:rPr lang="en-US" altLang="ko-KR" dirty="0"/>
               <a:t>Gizmo</a:t>
             </a:r>
             <a:r>
-              <a:rPr lang="ko-KR" altLang="en-US" dirty="0" smtClean="0"/>
+              <a:rPr lang="ko-KR" altLang="en-US" dirty="0"/>
               <a:t>로</a:t>
             </a:r>
-            <a:r>
-              <a:rPr lang="en-US" altLang="ko-KR" dirty="0" smtClean="0"/>
-              <a:t/>
-            </a:r>
             <a:br>
-              <a:rPr lang="en-US" altLang="ko-KR" dirty="0" smtClean="0"/>
+              <a:rPr lang="en-US" altLang="ko-KR" dirty="0"/>
             </a:br>
             <a:r>
               <a:rPr lang="en-US" altLang="ko-KR" dirty="0"/>
-              <a:t> </a:t>
-            </a:r>
-            <a:r>
-              <a:rPr lang="en-US" altLang="ko-KR" dirty="0" smtClean="0"/>
-              <a:t>  </a:t>
-            </a:r>
-            <a:r>
-              <a:rPr lang="ko-KR" altLang="en-US" dirty="0" smtClean="0"/>
+              <a:t>   </a:t>
+            </a:r>
+            <a:r>
+              <a:rPr lang="ko-KR" altLang="en-US" dirty="0"/>
               <a:t>시각적 편집 가능</a:t>
             </a:r>
-            <a:endParaRPr lang="en-US" altLang="ko-KR" dirty="0" smtClean="0"/>
+            <a:endParaRPr lang="en-US" altLang="ko-KR" dirty="0"/>
           </a:p>
           <a:p>
             <a:pPr>
@@ -9757,17 +9830,12 @@
             </a:pPr>
             <a:r>
               <a:rPr lang="en-US" altLang="ko-KR" dirty="0"/>
-              <a:t> </a:t>
-            </a:r>
-            <a:r>
-              <a:rPr lang="en-US" altLang="ko-KR" dirty="0" smtClean="0"/>
-              <a:t>Grid</a:t>
-            </a:r>
-            <a:r>
-              <a:rPr lang="ko-KR" altLang="en-US" dirty="0" smtClean="0"/>
+              <a:t> Grid</a:t>
+            </a:r>
+            <a:r>
+              <a:rPr lang="ko-KR" altLang="en-US" dirty="0"/>
               <a:t>와 연동되어 있어 칸 단위로 이동</a:t>
             </a:r>
-            <a:endParaRPr lang="ko-KR" altLang="en-US" dirty="0"/>
           </a:p>
         </p:txBody>
       </p:sp>
@@ -9864,14 +9932,13 @@
           <a:lstStyle/>
           <a:p>
             <a:r>
-              <a:rPr lang="ko-KR" altLang="en-US" dirty="0" err="1" smtClean="0"/>
+              <a:rPr lang="ko-KR" altLang="en-US" dirty="0" err="1"/>
               <a:t>에셋</a:t>
             </a:r>
             <a:r>
-              <a:rPr lang="ko-KR" altLang="en-US" dirty="0" smtClean="0"/>
+              <a:rPr lang="ko-KR" altLang="en-US" dirty="0"/>
               <a:t> 번들</a:t>
             </a:r>
-            <a:endParaRPr lang="ko-KR" altLang="en-US" dirty="0"/>
           </a:p>
         </p:txBody>
       </p:sp>
@@ -9932,13 +9999,6 @@
   <p:clrMapOvr>
     <a:masterClrMapping/>
   </p:clrMapOvr>
-  <p:timing>
-    <p:tnLst>
-      <p:par>
-        <p:cTn id="1" dur="indefinite" restart="never" nodeType="tmRoot"/>
-      </p:par>
-    </p:tnLst>
-  </p:timing>
 </p:sld>
 </file>
 
@@ -9975,14 +10035,13 @@
           <a:lstStyle/>
           <a:p>
             <a:r>
-              <a:rPr lang="ko-KR" altLang="en-US" dirty="0" err="1" smtClean="0"/>
+              <a:rPr lang="ko-KR" altLang="en-US" dirty="0" err="1"/>
               <a:t>에셋</a:t>
             </a:r>
             <a:r>
-              <a:rPr lang="ko-KR" altLang="en-US" dirty="0" smtClean="0"/>
+              <a:rPr lang="ko-KR" altLang="en-US" dirty="0"/>
               <a:t> 번들</a:t>
             </a:r>
-            <a:endParaRPr lang="ko-KR" altLang="en-US" dirty="0"/>
           </a:p>
         </p:txBody>
       </p:sp>
@@ -10014,30 +10073,30 @@
               <a:buAutoNum type="arabicPeriod"/>
             </a:pPr>
             <a:r>
-              <a:rPr lang="ko-KR" altLang="en-US" dirty="0" err="1" smtClean="0"/>
+              <a:rPr lang="ko-KR" altLang="en-US" dirty="0" err="1"/>
               <a:t>인트로</a:t>
             </a:r>
             <a:r>
-              <a:rPr lang="ko-KR" altLang="en-US" dirty="0" smtClean="0"/>
+              <a:rPr lang="ko-KR" altLang="en-US" dirty="0"/>
               <a:t> </a:t>
             </a:r>
             <a:r>
-              <a:rPr lang="ko-KR" altLang="en-US" dirty="0" err="1" smtClean="0"/>
+              <a:rPr lang="ko-KR" altLang="en-US" dirty="0" err="1"/>
               <a:t>씬에서</a:t>
             </a:r>
             <a:r>
-              <a:rPr lang="ko-KR" altLang="en-US" dirty="0" smtClean="0"/>
+              <a:rPr lang="ko-KR" altLang="en-US" dirty="0"/>
               <a:t> 비동기 로딩 </a:t>
             </a:r>
             <a:r>
-              <a:rPr lang="ko-KR" altLang="en-US" dirty="0" err="1" smtClean="0"/>
+              <a:rPr lang="ko-KR" altLang="en-US" dirty="0" err="1"/>
               <a:t>씬을</a:t>
             </a:r>
             <a:r>
-              <a:rPr lang="ko-KR" altLang="en-US" dirty="0" smtClean="0"/>
+              <a:rPr lang="ko-KR" altLang="en-US" dirty="0"/>
               <a:t> 로드</a:t>
             </a:r>
-            <a:endParaRPr lang="en-US" altLang="ko-KR" dirty="0" smtClean="0"/>
+            <a:endParaRPr lang="en-US" altLang="ko-KR" dirty="0"/>
           </a:p>
           <a:p>
             <a:pPr marL="457200" indent="-457200">
@@ -10048,18 +10107,18 @@
               <a:buAutoNum type="arabicPeriod"/>
             </a:pPr>
             <a:r>
-              <a:rPr lang="ko-KR" altLang="en-US" dirty="0" smtClean="0"/>
+              <a:rPr lang="ko-KR" altLang="en-US" dirty="0"/>
               <a:t>구글 파이어 베이스에서 </a:t>
             </a:r>
             <a:r>
-              <a:rPr lang="ko-KR" altLang="en-US" dirty="0" err="1" smtClean="0"/>
+              <a:rPr lang="ko-KR" altLang="en-US" dirty="0" err="1"/>
               <a:t>에셋</a:t>
             </a:r>
             <a:r>
-              <a:rPr lang="ko-KR" altLang="en-US" dirty="0" smtClean="0"/>
+              <a:rPr lang="ko-KR" altLang="en-US" dirty="0"/>
               <a:t> 번들 다운로드</a:t>
             </a:r>
-            <a:endParaRPr lang="en-US" altLang="ko-KR" dirty="0" smtClean="0"/>
+            <a:endParaRPr lang="en-US" altLang="ko-KR" dirty="0"/>
           </a:p>
           <a:p>
             <a:pPr marL="457200" indent="-457200">
@@ -10070,26 +10129,26 @@
               <a:buAutoNum type="arabicPeriod"/>
             </a:pPr>
             <a:r>
-              <a:rPr lang="ko-KR" altLang="en-US" dirty="0" err="1" smtClean="0"/>
+              <a:rPr lang="ko-KR" altLang="en-US" dirty="0" err="1"/>
               <a:t>다운로드된</a:t>
             </a:r>
             <a:r>
-              <a:rPr lang="ko-KR" altLang="en-US" dirty="0" smtClean="0"/>
+              <a:rPr lang="ko-KR" altLang="en-US" dirty="0"/>
               <a:t> </a:t>
             </a:r>
             <a:r>
-              <a:rPr lang="ko-KR" altLang="en-US" dirty="0" err="1" smtClean="0"/>
+              <a:rPr lang="ko-KR" altLang="en-US" dirty="0" err="1"/>
               <a:t>에셋</a:t>
             </a:r>
             <a:r>
-              <a:rPr lang="ko-KR" altLang="en-US" dirty="0" smtClean="0"/>
+              <a:rPr lang="ko-KR" altLang="en-US" dirty="0"/>
               <a:t> 번들 </a:t>
             </a:r>
             <a:r>
-              <a:rPr lang="ko-KR" altLang="en-US" dirty="0" err="1" smtClean="0"/>
+              <a:rPr lang="ko-KR" altLang="en-US" dirty="0" err="1"/>
               <a:t>캐싱</a:t>
             </a:r>
-            <a:endParaRPr lang="en-US" altLang="ko-KR" dirty="0" smtClean="0"/>
+            <a:endParaRPr lang="en-US" altLang="ko-KR" dirty="0"/>
           </a:p>
           <a:p>
             <a:pPr marL="457200" indent="-457200">
@@ -10100,18 +10159,17 @@
               <a:buAutoNum type="arabicPeriod"/>
             </a:pPr>
             <a:r>
-              <a:rPr lang="ko-KR" altLang="en-US" dirty="0" smtClean="0"/>
+              <a:rPr lang="ko-KR" altLang="en-US" dirty="0"/>
               <a:t>다운로드 및 </a:t>
             </a:r>
             <a:r>
-              <a:rPr lang="ko-KR" altLang="en-US" dirty="0" err="1" smtClean="0"/>
+              <a:rPr lang="ko-KR" altLang="en-US" dirty="0" err="1"/>
               <a:t>캐싱이</a:t>
             </a:r>
             <a:r>
-              <a:rPr lang="ko-KR" altLang="en-US" dirty="0" smtClean="0"/>
+              <a:rPr lang="ko-KR" altLang="en-US" dirty="0"/>
               <a:t> 완료되면 메뉴 씬 로드</a:t>
             </a:r>
-            <a:endParaRPr lang="ko-KR" altLang="en-US" dirty="0"/>
           </a:p>
         </p:txBody>
       </p:sp>
@@ -10152,7 +10210,7 @@
           <a:p>
             <a:pPr algn="ctr"/>
             <a:r>
-              <a:rPr lang="en-US" altLang="ko-KR" dirty="0" smtClean="0"/>
+              <a:rPr lang="en-US" altLang="ko-KR" dirty="0"/>
               <a:t>Intro Scene</a:t>
             </a:r>
             <a:endParaRPr lang="ko-KR" altLang="en-US" dirty="0"/>
@@ -10196,22 +10254,22 @@
           <a:p>
             <a:pPr algn="ctr"/>
             <a:r>
-              <a:rPr lang="en-US" altLang="ko-KR" dirty="0" err="1" smtClean="0"/>
+              <a:rPr lang="en-US" altLang="ko-KR" dirty="0" err="1"/>
               <a:t>Async</a:t>
             </a:r>
-            <a:endParaRPr lang="en-US" altLang="ko-KR" dirty="0" smtClean="0"/>
+            <a:endParaRPr lang="en-US" altLang="ko-KR" dirty="0"/>
           </a:p>
           <a:p>
             <a:pPr algn="ctr"/>
             <a:r>
-              <a:rPr lang="en-US" altLang="ko-KR" dirty="0" smtClean="0"/>
+              <a:rPr lang="en-US" altLang="ko-KR" dirty="0"/>
               <a:t>Loading</a:t>
             </a:r>
           </a:p>
           <a:p>
             <a:pPr algn="ctr"/>
             <a:r>
-              <a:rPr lang="en-US" altLang="ko-KR" dirty="0" smtClean="0"/>
+              <a:rPr lang="en-US" altLang="ko-KR" dirty="0"/>
               <a:t>Scene</a:t>
             </a:r>
             <a:endParaRPr lang="ko-KR" altLang="en-US" dirty="0"/>
@@ -10255,14 +10313,14 @@
           <a:p>
             <a:pPr algn="ctr"/>
             <a:r>
-              <a:rPr lang="en-US" altLang="ko-KR" dirty="0" smtClean="0"/>
+              <a:rPr lang="en-US" altLang="ko-KR" dirty="0"/>
               <a:t>Menu</a:t>
             </a:r>
           </a:p>
           <a:p>
             <a:pPr algn="ctr"/>
             <a:r>
-              <a:rPr lang="en-US" altLang="ko-KR" dirty="0" smtClean="0"/>
+              <a:rPr lang="en-US" altLang="ko-KR" dirty="0"/>
               <a:t>Scene</a:t>
             </a:r>
             <a:endParaRPr lang="ko-KR" altLang="en-US" dirty="0"/>
@@ -10418,26 +10476,25 @@
           <a:lstStyle/>
           <a:p>
             <a:pPr algn="ctr"/>
-            <a:endParaRPr lang="en-US" altLang="ko-KR" dirty="0" smtClean="0"/>
+            <a:endParaRPr lang="en-US" altLang="ko-KR" dirty="0"/>
           </a:p>
           <a:p>
             <a:pPr algn="ctr"/>
             <a:r>
-              <a:rPr lang="en-US" altLang="ko-KR" dirty="0" smtClean="0"/>
+              <a:rPr lang="en-US" altLang="ko-KR" dirty="0"/>
               <a:t>[Google Firebase]</a:t>
             </a:r>
           </a:p>
           <a:p>
             <a:pPr algn="ctr"/>
             <a:r>
-              <a:rPr lang="ko-KR" altLang="en-US" dirty="0" err="1" smtClean="0"/>
+              <a:rPr lang="ko-KR" altLang="en-US" dirty="0" err="1"/>
               <a:t>에셋</a:t>
             </a:r>
             <a:r>
-              <a:rPr lang="ko-KR" altLang="en-US" dirty="0" smtClean="0"/>
+              <a:rPr lang="ko-KR" altLang="en-US" dirty="0"/>
               <a:t> 번들</a:t>
             </a:r>
-            <a:endParaRPr lang="ko-KR" altLang="en-US" dirty="0"/>
           </a:p>
         </p:txBody>
       </p:sp>
@@ -10495,11 +10552,6 @@
               </a:rPr>
               <a:t>①</a:t>
             </a:r>
-            <a:endParaRPr lang="ko-KR" altLang="en-US" dirty="0">
-              <a:solidFill>
-                <a:srgbClr val="FFC000"/>
-              </a:solidFill>
-            </a:endParaRPr>
           </a:p>
         </p:txBody>
       </p:sp>
@@ -10526,18 +10578,13 @@
           <a:lstStyle/>
           <a:p>
             <a:r>
-              <a:rPr lang="ko-KR" altLang="en-US" dirty="0" smtClean="0">
+              <a:rPr lang="ko-KR" altLang="en-US" dirty="0">
                 <a:solidFill>
                   <a:srgbClr val="FFC000"/>
                 </a:solidFill>
               </a:rPr>
               <a:t>②</a:t>
             </a:r>
-            <a:endParaRPr lang="ko-KR" altLang="en-US" dirty="0">
-              <a:solidFill>
-                <a:srgbClr val="FFC000"/>
-              </a:solidFill>
-            </a:endParaRPr>
           </a:p>
         </p:txBody>
       </p:sp>
@@ -10564,18 +10611,13 @@
           <a:lstStyle/>
           <a:p>
             <a:r>
-              <a:rPr lang="ko-KR" altLang="en-US" dirty="0" smtClean="0">
+              <a:rPr lang="ko-KR" altLang="en-US" dirty="0">
                 <a:solidFill>
                   <a:srgbClr val="FFC000"/>
                 </a:solidFill>
               </a:rPr>
               <a:t>③</a:t>
             </a:r>
-            <a:endParaRPr lang="ko-KR" altLang="en-US" dirty="0">
-              <a:solidFill>
-                <a:srgbClr val="FFC000"/>
-              </a:solidFill>
-            </a:endParaRPr>
           </a:p>
         </p:txBody>
       </p:sp>
@@ -10602,18 +10644,13 @@
           <a:lstStyle/>
           <a:p>
             <a:r>
-              <a:rPr lang="ko-KR" altLang="en-US" dirty="0" smtClean="0">
+              <a:rPr lang="ko-KR" altLang="en-US" dirty="0">
                 <a:solidFill>
                   <a:srgbClr val="FFC000"/>
                 </a:solidFill>
               </a:rPr>
               <a:t>④</a:t>
             </a:r>
-            <a:endParaRPr lang="ko-KR" altLang="en-US" dirty="0">
-              <a:solidFill>
-                <a:srgbClr val="FFC000"/>
-              </a:solidFill>
-            </a:endParaRPr>
           </a:p>
         </p:txBody>
       </p:sp>
@@ -10650,13 +10687,6 @@
   <p:clrMapOvr>
     <a:masterClrMapping/>
   </p:clrMapOvr>
-  <p:timing>
-    <p:tnLst>
-      <p:par>
-        <p:cTn id="1" dur="indefinite" restart="never" nodeType="tmRoot"/>
-      </p:par>
-    </p:tnLst>
-  </p:timing>
 </p:sld>
 </file>
 
@@ -10693,10 +10723,9 @@
           <a:lstStyle/>
           <a:p>
             <a:r>
-              <a:rPr lang="ko-KR" altLang="en-US" dirty="0" smtClean="0"/>
+              <a:rPr lang="ko-KR" altLang="en-US" dirty="0"/>
               <a:t>사운드</a:t>
             </a:r>
-            <a:endParaRPr lang="ko-KR" altLang="en-US" dirty="0"/>
           </a:p>
         </p:txBody>
       </p:sp>
@@ -10730,22 +10759,22 @@
               <a:buChar char="Ø"/>
             </a:pPr>
             <a:r>
-              <a:rPr lang="en-US" altLang="ko-KR" dirty="0" smtClean="0"/>
+              <a:rPr lang="en-US" altLang="ko-KR" dirty="0"/>
               <a:t> </a:t>
             </a:r>
             <a:r>
-              <a:rPr lang="ko-KR" altLang="en-US" dirty="0" smtClean="0"/>
+              <a:rPr lang="ko-KR" altLang="en-US" dirty="0"/>
               <a:t>사운드 파일은 </a:t>
             </a:r>
             <a:r>
-              <a:rPr lang="ko-KR" altLang="en-US" dirty="0" err="1" smtClean="0"/>
+              <a:rPr lang="ko-KR" altLang="en-US" dirty="0" err="1"/>
               <a:t>스크립터블</a:t>
             </a:r>
             <a:r>
-              <a:rPr lang="ko-KR" altLang="en-US" dirty="0" smtClean="0"/>
+              <a:rPr lang="ko-KR" altLang="en-US" dirty="0"/>
               <a:t> 오브젝트로 관리</a:t>
             </a:r>
-            <a:endParaRPr lang="en-US" altLang="ko-KR" dirty="0" smtClean="0"/>
+            <a:endParaRPr lang="en-US" altLang="ko-KR" dirty="0"/>
           </a:p>
           <a:p>
             <a:pPr>
@@ -10760,26 +10789,26 @@
               <a:t> </a:t>
             </a:r>
             <a:r>
-              <a:rPr lang="ko-KR" altLang="en-US" dirty="0" err="1" smtClean="0"/>
+              <a:rPr lang="ko-KR" altLang="en-US" dirty="0" err="1"/>
               <a:t>스크립터블</a:t>
             </a:r>
             <a:r>
-              <a:rPr lang="ko-KR" altLang="en-US" dirty="0" smtClean="0"/>
+              <a:rPr lang="ko-KR" altLang="en-US" dirty="0"/>
               <a:t> 오브젝트는 별도의 </a:t>
             </a:r>
             <a:r>
-              <a:rPr lang="en-US" altLang="ko-KR" dirty="0" smtClean="0"/>
+              <a:rPr lang="en-US" altLang="ko-KR" dirty="0"/>
               <a:t>Sound Manager</a:t>
             </a:r>
             <a:r>
-              <a:rPr lang="ko-KR" altLang="en-US" dirty="0" smtClean="0"/>
+              <a:rPr lang="ko-KR" altLang="en-US" dirty="0"/>
               <a:t>에 </a:t>
             </a:r>
             <a:r>
-              <a:rPr lang="ko-KR" altLang="en-US" dirty="0" err="1" smtClean="0"/>
+              <a:rPr lang="ko-KR" altLang="en-US" dirty="0" err="1"/>
               <a:t>캐싱</a:t>
             </a:r>
-            <a:endParaRPr lang="en-US" altLang="ko-KR" dirty="0" smtClean="0"/>
+            <a:endParaRPr lang="en-US" altLang="ko-KR" dirty="0"/>
           </a:p>
         </p:txBody>
       </p:sp>
@@ -10878,19 +10907,19 @@
           <a:lstStyle/>
           <a:p>
             <a:r>
-              <a:rPr lang="en-US" altLang="ko-KR" dirty="0" smtClean="0"/>
+              <a:rPr lang="en-US" altLang="ko-KR" dirty="0"/>
               <a:t>&lt; </a:t>
             </a:r>
             <a:r>
-              <a:rPr lang="ko-KR" altLang="en-US" dirty="0" smtClean="0"/>
+              <a:rPr lang="ko-KR" altLang="en-US" dirty="0"/>
               <a:t>효과음 </a:t>
             </a:r>
             <a:r>
-              <a:rPr lang="en-US" altLang="ko-KR" dirty="0" err="1" smtClean="0"/>
+              <a:rPr lang="en-US" altLang="ko-KR" dirty="0" err="1"/>
               <a:t>enum</a:t>
             </a:r>
             <a:r>
-              <a:rPr lang="en-US" altLang="ko-KR" dirty="0" smtClean="0"/>
+              <a:rPr lang="en-US" altLang="ko-KR" dirty="0"/>
               <a:t> &gt;</a:t>
             </a:r>
             <a:endParaRPr lang="ko-KR" altLang="en-US" dirty="0"/>
@@ -10920,23 +10949,23 @@
           <a:lstStyle/>
           <a:p>
             <a:r>
-              <a:rPr lang="en-US" altLang="ko-KR" dirty="0" smtClean="0"/>
+              <a:rPr lang="en-US" altLang="ko-KR" dirty="0"/>
               <a:t>&lt; </a:t>
             </a:r>
             <a:r>
-              <a:rPr lang="ko-KR" altLang="en-US" dirty="0" err="1" smtClean="0"/>
+              <a:rPr lang="ko-KR" altLang="en-US" dirty="0" err="1"/>
               <a:t>배경음</a:t>
             </a:r>
             <a:r>
-              <a:rPr lang="ko-KR" altLang="en-US" dirty="0" smtClean="0"/>
+              <a:rPr lang="ko-KR" altLang="en-US" dirty="0"/>
               <a:t> </a:t>
             </a:r>
             <a:r>
-              <a:rPr lang="en-US" altLang="ko-KR" dirty="0" err="1" smtClean="0"/>
+              <a:rPr lang="en-US" altLang="ko-KR" dirty="0" err="1"/>
               <a:t>enum</a:t>
             </a:r>
             <a:r>
-              <a:rPr lang="en-US" altLang="ko-KR" dirty="0" smtClean="0"/>
+              <a:rPr lang="en-US" altLang="ko-KR" dirty="0"/>
               <a:t> &gt;</a:t>
             </a:r>
             <a:endParaRPr lang="ko-KR" altLang="en-US" dirty="0"/>
@@ -10976,13 +11005,6 @@
   <p:clrMapOvr>
     <a:masterClrMapping/>
   </p:clrMapOvr>
-  <p:timing>
-    <p:tnLst>
-      <p:par>
-        <p:cTn id="1" dur="indefinite" restart="never" nodeType="tmRoot"/>
-      </p:par>
-    </p:tnLst>
-  </p:timing>
 </p:sld>
 </file>
 
@@ -11026,15 +11048,15 @@
           <a:lstStyle/>
           <a:p>
             <a:r>
-              <a:rPr lang="en-US" altLang="ko-KR" sz="4400" dirty="0" smtClean="0"/>
+              <a:rPr lang="en-US" altLang="ko-KR" sz="4400" dirty="0"/>
               <a:t>- </a:t>
             </a:r>
             <a:r>
-              <a:rPr lang="ko-KR" altLang="en-US" sz="4400" dirty="0" smtClean="0"/>
+              <a:rPr lang="ko-KR" altLang="en-US" sz="4400" dirty="0"/>
               <a:t>끝 </a:t>
             </a:r>
             <a:r>
-              <a:rPr lang="en-US" altLang="ko-KR" sz="4400" dirty="0" smtClean="0"/>
+              <a:rPr lang="en-US" altLang="ko-KR" sz="4400" dirty="0"/>
               <a:t>-</a:t>
             </a:r>
             <a:endParaRPr lang="ko-KR" altLang="en-US" sz="4400" dirty="0"/>
@@ -11074,13 +11096,6 @@
   <p:clrMapOvr>
     <a:masterClrMapping/>
   </p:clrMapOvr>
-  <p:timing>
-    <p:tnLst>
-      <p:par>
-        <p:cTn id="1" dur="indefinite" restart="never" nodeType="tmRoot"/>
-      </p:par>
-    </p:tnLst>
-  </p:timing>
 </p:sld>
 </file>
 
@@ -11120,7 +11135,7 @@
                 <a16:creationId xmlns:a16="http://schemas.microsoft.com/office/drawing/2014/main" id="{11D64472-9720-4FBC-B628-F62EE9D0158A}"/>
               </a:ext>
               <a:ext uri="{C183D7F6-B498-43B3-948B-1728B52AA6E4}">
-                <adec:decorative xmlns:adec="http://schemas.microsoft.com/office/drawing/2017/decorative" xmlns="" val="1"/>
+                <adec:decorative xmlns:adec="http://schemas.microsoft.com/office/drawing/2017/decorative" val="1"/>
               </a:ext>
             </a:extLst>
           </p:cNvPr>
@@ -11255,7 +11270,7 @@
                 <a16:creationId xmlns:a16="http://schemas.microsoft.com/office/drawing/2014/main" id="{C8274B1F-2E6E-4044-94F7-2AB4E90F65D4}"/>
               </a:ext>
               <a:ext uri="{C183D7F6-B498-43B3-948B-1728B52AA6E4}">
-                <adec:decorative xmlns:adec="http://schemas.microsoft.com/office/drawing/2017/decorative" xmlns="" val="1"/>
+                <adec:decorative xmlns:adec="http://schemas.microsoft.com/office/drawing/2017/decorative" val="1"/>
               </a:ext>
             </a:extLst>
           </p:cNvPr>
@@ -11395,7 +11410,7 @@
                 <a16:creationId xmlns:a16="http://schemas.microsoft.com/office/drawing/2014/main" id="{DF7BD5AB-415F-42D4-8FC0-DCC5D1101D85}"/>
               </a:ext>
               <a:ext uri="{C183D7F6-B498-43B3-948B-1728B52AA6E4}">
-                <adec:decorative xmlns:adec="http://schemas.microsoft.com/office/drawing/2017/decorative" xmlns="" val="1"/>
+                <adec:decorative xmlns:adec="http://schemas.microsoft.com/office/drawing/2017/decorative" val="1"/>
               </a:ext>
             </a:extLst>
           </p:cNvPr>
@@ -11450,7 +11465,7 @@
                 <a16:creationId xmlns:a16="http://schemas.microsoft.com/office/drawing/2014/main" id="{2A8EBF22-DAF1-4100-AA4A-A077B68E3AB8}"/>
               </a:ext>
               <a:ext uri="{C183D7F6-B498-43B3-948B-1728B52AA6E4}">
-                <adec:decorative xmlns:adec="http://schemas.microsoft.com/office/drawing/2017/decorative" xmlns="" val="1"/>
+                <adec:decorative xmlns:adec="http://schemas.microsoft.com/office/drawing/2017/decorative" val="1"/>
               </a:ext>
             </a:extLst>
           </p:cNvPr>
@@ -11805,13 +11820,6 @@
   <p:clrMapOvr>
     <a:masterClrMapping/>
   </p:clrMapOvr>
-  <p:timing>
-    <p:tnLst>
-      <p:par>
-        <p:cTn id="1" dur="indefinite" restart="never" nodeType="tmRoot"/>
-      </p:par>
-    </p:tnLst>
-  </p:timing>
 </p:sld>
 </file>
 
@@ -11851,7 +11859,7 @@
                 <a16:creationId xmlns:a16="http://schemas.microsoft.com/office/drawing/2014/main" id="{11D64472-9720-4FBC-B628-F62EE9D0158A}"/>
               </a:ext>
               <a:ext uri="{C183D7F6-B498-43B3-948B-1728B52AA6E4}">
-                <adec:decorative xmlns:adec="http://schemas.microsoft.com/office/drawing/2017/decorative" xmlns="" val="1"/>
+                <adec:decorative xmlns:adec="http://schemas.microsoft.com/office/drawing/2017/decorative" val="1"/>
               </a:ext>
             </a:extLst>
           </p:cNvPr>
@@ -11986,7 +11994,7 @@
                 <a16:creationId xmlns:a16="http://schemas.microsoft.com/office/drawing/2014/main" id="{C8274B1F-2E6E-4044-94F7-2AB4E90F65D4}"/>
               </a:ext>
               <a:ext uri="{C183D7F6-B498-43B3-948B-1728B52AA6E4}">
-                <adec:decorative xmlns:adec="http://schemas.microsoft.com/office/drawing/2017/decorative" xmlns="" val="1"/>
+                <adec:decorative xmlns:adec="http://schemas.microsoft.com/office/drawing/2017/decorative" val="1"/>
               </a:ext>
             </a:extLst>
           </p:cNvPr>
@@ -12159,7 +12167,7 @@
                 <a16:creationId xmlns:a16="http://schemas.microsoft.com/office/drawing/2014/main" id="{DF7BD5AB-415F-42D4-8FC0-DCC5D1101D85}"/>
               </a:ext>
               <a:ext uri="{C183D7F6-B498-43B3-948B-1728B52AA6E4}">
-                <adec:decorative xmlns:adec="http://schemas.microsoft.com/office/drawing/2017/decorative" xmlns="" val="1"/>
+                <adec:decorative xmlns:adec="http://schemas.microsoft.com/office/drawing/2017/decorative" val="1"/>
               </a:ext>
             </a:extLst>
           </p:cNvPr>
@@ -12214,7 +12222,7 @@
                 <a16:creationId xmlns:a16="http://schemas.microsoft.com/office/drawing/2014/main" id="{2A8EBF22-DAF1-4100-AA4A-A077B68E3AB8}"/>
               </a:ext>
               <a:ext uri="{C183D7F6-B498-43B3-948B-1728B52AA6E4}">
-                <adec:decorative xmlns:adec="http://schemas.microsoft.com/office/drawing/2017/decorative" xmlns="" val="1"/>
+                <adec:decorative xmlns:adec="http://schemas.microsoft.com/office/drawing/2017/decorative" val="1"/>
               </a:ext>
             </a:extLst>
           </p:cNvPr>
@@ -12842,13 +12850,6 @@
   <p:clrMapOvr>
     <a:masterClrMapping/>
   </p:clrMapOvr>
-  <p:timing>
-    <p:tnLst>
-      <p:par>
-        <p:cTn id="1" dur="indefinite" restart="never" nodeType="tmRoot"/>
-      </p:par>
-    </p:tnLst>
-  </p:timing>
 </p:sld>
 </file>
 
@@ -12888,7 +12889,7 @@
                 <a16:creationId xmlns:a16="http://schemas.microsoft.com/office/drawing/2014/main" id="{A913E1D4-A685-45A4-8882-9AADFEA9A130}"/>
               </a:ext>
               <a:ext uri="{C183D7F6-B498-43B3-948B-1728B52AA6E4}">
-                <adec:decorative xmlns:adec="http://schemas.microsoft.com/office/drawing/2017/decorative" xmlns="" val="1"/>
+                <adec:decorative xmlns:adec="http://schemas.microsoft.com/office/drawing/2017/decorative" val="1"/>
               </a:ext>
             </a:extLst>
           </p:cNvPr>
@@ -13023,7 +13024,7 @@
                 <a16:creationId xmlns:a16="http://schemas.microsoft.com/office/drawing/2014/main" id="{ABCE627E-F66E-446B-A51C-7F0506D8F451}"/>
               </a:ext>
               <a:ext uri="{C183D7F6-B498-43B3-948B-1728B52AA6E4}">
-                <adec:decorative xmlns:adec="http://schemas.microsoft.com/office/drawing/2017/decorative" xmlns="" val="1"/>
+                <adec:decorative xmlns:adec="http://schemas.microsoft.com/office/drawing/2017/decorative" val="1"/>
               </a:ext>
             </a:extLst>
           </p:cNvPr>
@@ -13257,7 +13258,7 @@
                 <a16:creationId xmlns:a16="http://schemas.microsoft.com/office/drawing/2014/main" id="{6D5F1B19-F7A9-452F-8974-5F535F76CC29}"/>
               </a:ext>
               <a:ext uri="{C183D7F6-B498-43B3-948B-1728B52AA6E4}">
-                <adec:decorative xmlns:adec="http://schemas.microsoft.com/office/drawing/2017/decorative" xmlns="" val="1"/>
+                <adec:decorative xmlns:adec="http://schemas.microsoft.com/office/drawing/2017/decorative" val="1"/>
               </a:ext>
             </a:extLst>
           </p:cNvPr>
@@ -13312,7 +13313,7 @@
                 <a16:creationId xmlns:a16="http://schemas.microsoft.com/office/drawing/2014/main" id="{E262A6F5-29E3-40A3-96B4-FA3A9F58AA6A}"/>
               </a:ext>
               <a:ext uri="{C183D7F6-B498-43B3-948B-1728B52AA6E4}">
-                <adec:decorative xmlns:adec="http://schemas.microsoft.com/office/drawing/2017/decorative" xmlns="" val="1"/>
+                <adec:decorative xmlns:adec="http://schemas.microsoft.com/office/drawing/2017/decorative" val="1"/>
               </a:ext>
             </a:extLst>
           </p:cNvPr>
@@ -13433,7 +13434,7 @@
                 <a16:creationId xmlns:a16="http://schemas.microsoft.com/office/drawing/2014/main" id="{2FE532C3-4CFC-4C1A-A40D-1D73E07FD2F0}"/>
               </a:ext>
               <a:ext uri="{C183D7F6-B498-43B3-948B-1728B52AA6E4}">
-                <adec:decorative xmlns:adec="http://schemas.microsoft.com/office/drawing/2017/decorative" xmlns="" val="1"/>
+                <adec:decorative xmlns:adec="http://schemas.microsoft.com/office/drawing/2017/decorative" val="1"/>
               </a:ext>
             </a:extLst>
           </p:cNvPr>
@@ -13569,7 +13570,7 @@
                 <a16:creationId xmlns:a16="http://schemas.microsoft.com/office/drawing/2014/main" id="{930803CF-A33F-4A3B-9E26-CBC64412E401}"/>
               </a:ext>
               <a:ext uri="{C183D7F6-B498-43B3-948B-1728B52AA6E4}">
-                <adec:decorative xmlns:adec="http://schemas.microsoft.com/office/drawing/2017/decorative" xmlns="" val="1"/>
+                <adec:decorative xmlns:adec="http://schemas.microsoft.com/office/drawing/2017/decorative" val="1"/>
               </a:ext>
             </a:extLst>
           </p:cNvPr>
@@ -13832,7 +13833,7 @@
                 <a16:creationId xmlns:a16="http://schemas.microsoft.com/office/drawing/2014/main" id="{3EE96868-54BF-44AD-8EAC-4E91D6022E2E}"/>
               </a:ext>
               <a:ext uri="{C183D7F6-B498-43B3-948B-1728B52AA6E4}">
-                <adec:decorative xmlns:adec="http://schemas.microsoft.com/office/drawing/2017/decorative" xmlns="" val="1"/>
+                <adec:decorative xmlns:adec="http://schemas.microsoft.com/office/drawing/2017/decorative" val="1"/>
               </a:ext>
             </a:extLst>
           </p:cNvPr>
@@ -13887,7 +13888,7 @@
                 <a16:creationId xmlns:a16="http://schemas.microsoft.com/office/drawing/2014/main" id="{358C64D8-B580-4611-8FB2-FBBF7C37611F}"/>
               </a:ext>
               <a:ext uri="{C183D7F6-B498-43B3-948B-1728B52AA6E4}">
-                <adec:decorative xmlns:adec="http://schemas.microsoft.com/office/drawing/2017/decorative" xmlns="" val="1"/>
+                <adec:decorative xmlns:adec="http://schemas.microsoft.com/office/drawing/2017/decorative" val="1"/>
               </a:ext>
             </a:extLst>
           </p:cNvPr>
@@ -14008,7 +14009,7 @@
                 <a16:creationId xmlns:a16="http://schemas.microsoft.com/office/drawing/2014/main" id="{11D64472-9720-4FBC-B628-F62EE9D0158A}"/>
               </a:ext>
               <a:ext uri="{C183D7F6-B498-43B3-948B-1728B52AA6E4}">
-                <adec:decorative xmlns:adec="http://schemas.microsoft.com/office/drawing/2017/decorative" xmlns="" val="1"/>
+                <adec:decorative xmlns:adec="http://schemas.microsoft.com/office/drawing/2017/decorative" val="1"/>
               </a:ext>
             </a:extLst>
           </p:cNvPr>
@@ -14143,7 +14144,7 @@
                 <a16:creationId xmlns:a16="http://schemas.microsoft.com/office/drawing/2014/main" id="{C8274B1F-2E6E-4044-94F7-2AB4E90F65D4}"/>
               </a:ext>
               <a:ext uri="{C183D7F6-B498-43B3-948B-1728B52AA6E4}">
-                <adec:decorative xmlns:adec="http://schemas.microsoft.com/office/drawing/2017/decorative" xmlns="" val="1"/>
+                <adec:decorative xmlns:adec="http://schemas.microsoft.com/office/drawing/2017/decorative" val="1"/>
               </a:ext>
             </a:extLst>
           </p:cNvPr>
@@ -14295,7 +14296,7 @@
                 <a16:creationId xmlns:a16="http://schemas.microsoft.com/office/drawing/2014/main" id="{DF7BD5AB-415F-42D4-8FC0-DCC5D1101D85}"/>
               </a:ext>
               <a:ext uri="{C183D7F6-B498-43B3-948B-1728B52AA6E4}">
-                <adec:decorative xmlns:adec="http://schemas.microsoft.com/office/drawing/2017/decorative" xmlns="" val="1"/>
+                <adec:decorative xmlns:adec="http://schemas.microsoft.com/office/drawing/2017/decorative" val="1"/>
               </a:ext>
             </a:extLst>
           </p:cNvPr>
@@ -14350,7 +14351,7 @@
                 <a16:creationId xmlns:a16="http://schemas.microsoft.com/office/drawing/2014/main" id="{2A8EBF22-DAF1-4100-AA4A-A077B68E3AB8}"/>
               </a:ext>
               <a:ext uri="{C183D7F6-B498-43B3-948B-1728B52AA6E4}">
-                <adec:decorative xmlns:adec="http://schemas.microsoft.com/office/drawing/2017/decorative" xmlns="" val="1"/>
+                <adec:decorative xmlns:adec="http://schemas.microsoft.com/office/drawing/2017/decorative" val="1"/>
               </a:ext>
             </a:extLst>
           </p:cNvPr>
@@ -14471,7 +14472,7 @@
                 <a16:creationId xmlns:a16="http://schemas.microsoft.com/office/drawing/2014/main" id="{205230C7-EEBB-4D56-8FD6-F27CBCA386B6}"/>
               </a:ext>
               <a:ext uri="{C183D7F6-B498-43B3-948B-1728B52AA6E4}">
-                <adec:decorative xmlns:adec="http://schemas.microsoft.com/office/drawing/2017/decorative" xmlns="" val="1"/>
+                <adec:decorative xmlns:adec="http://schemas.microsoft.com/office/drawing/2017/decorative" val="1"/>
               </a:ext>
             </a:extLst>
           </p:cNvPr>
@@ -14570,7 +14571,7 @@
                 <a16:creationId xmlns:a16="http://schemas.microsoft.com/office/drawing/2014/main" id="{EA621C9D-2D12-4607-B2FA-56B5872DC0D5}"/>
               </a:ext>
               <a:ext uri="{C183D7F6-B498-43B3-948B-1728B52AA6E4}">
-                <adec:decorative xmlns:adec="http://schemas.microsoft.com/office/drawing/2017/decorative" xmlns="" val="1"/>
+                <adec:decorative xmlns:adec="http://schemas.microsoft.com/office/drawing/2017/decorative" val="1"/>
               </a:ext>
             </a:extLst>
           </p:cNvPr>
@@ -14674,7 +14675,7 @@
                 <a16:creationId xmlns:a16="http://schemas.microsoft.com/office/drawing/2014/main" id="{E0777970-D603-4A9B-8189-845016338406}"/>
               </a:ext>
               <a:ext uri="{C183D7F6-B498-43B3-948B-1728B52AA6E4}">
-                <adec:decorative xmlns:adec="http://schemas.microsoft.com/office/drawing/2017/decorative" xmlns="" val="1"/>
+                <adec:decorative xmlns:adec="http://schemas.microsoft.com/office/drawing/2017/decorative" val="1"/>
               </a:ext>
             </a:extLst>
           </p:cNvPr>
@@ -14739,7 +14740,7 @@
                 <a16:creationId xmlns:a16="http://schemas.microsoft.com/office/drawing/2014/main" id="{33E8B2DF-B1FC-4CB7-BC91-49D98BA7C24B}"/>
               </a:ext>
               <a:ext uri="{C183D7F6-B498-43B3-948B-1728B52AA6E4}">
-                <adec:decorative xmlns:adec="http://schemas.microsoft.com/office/drawing/2017/decorative" xmlns="" val="1"/>
+                <adec:decorative xmlns:adec="http://schemas.microsoft.com/office/drawing/2017/decorative" val="1"/>
               </a:ext>
             </a:extLst>
           </p:cNvPr>
@@ -14795,7 +14796,7 @@
                 <a16:creationId xmlns:a16="http://schemas.microsoft.com/office/drawing/2014/main" id="{9C7A42B7-E988-47CB-BD9A-E0C9E379305E}"/>
               </a:ext>
               <a:ext uri="{C183D7F6-B498-43B3-948B-1728B52AA6E4}">
-                <adec:decorative xmlns:adec="http://schemas.microsoft.com/office/drawing/2017/decorative" xmlns="" val="1"/>
+                <adec:decorative xmlns:adec="http://schemas.microsoft.com/office/drawing/2017/decorative" val="1"/>
               </a:ext>
             </a:extLst>
           </p:cNvPr>
@@ -14860,7 +14861,7 @@
                 <a16:creationId xmlns:a16="http://schemas.microsoft.com/office/drawing/2014/main" id="{87EE9AEF-88C8-4CD2-A365-E159D5FEDC38}"/>
               </a:ext>
               <a:ext uri="{C183D7F6-B498-43B3-948B-1728B52AA6E4}">
-                <adec:decorative xmlns:adec="http://schemas.microsoft.com/office/drawing/2017/decorative" xmlns="" val="1"/>
+                <adec:decorative xmlns:adec="http://schemas.microsoft.com/office/drawing/2017/decorative" val="1"/>
               </a:ext>
             </a:extLst>
           </p:cNvPr>
@@ -15061,7 +15062,7 @@
                 <a16:creationId xmlns:a16="http://schemas.microsoft.com/office/drawing/2014/main" id="{2B1E2751-9FC8-459D-92B7-B42CA1CFF782}"/>
               </a:ext>
               <a:ext uri="{C183D7F6-B498-43B3-948B-1728B52AA6E4}">
-                <adec:decorative xmlns:adec="http://schemas.microsoft.com/office/drawing/2017/decorative" xmlns="" val="1"/>
+                <adec:decorative xmlns:adec="http://schemas.microsoft.com/office/drawing/2017/decorative" val="1"/>
               </a:ext>
             </a:extLst>
           </p:cNvPr>
@@ -15116,7 +15117,7 @@
                 <a16:creationId xmlns:a16="http://schemas.microsoft.com/office/drawing/2014/main" id="{16DC6514-2A81-410F-A2CA-6887D4744472}"/>
               </a:ext>
               <a:ext uri="{C183D7F6-B498-43B3-948B-1728B52AA6E4}">
-                <adec:decorative xmlns:adec="http://schemas.microsoft.com/office/drawing/2017/decorative" xmlns="" val="1"/>
+                <adec:decorative xmlns:adec="http://schemas.microsoft.com/office/drawing/2017/decorative" val="1"/>
               </a:ext>
             </a:extLst>
           </p:cNvPr>
